--- a/Presentasi Tugas Besar PPMC.pptx
+++ b/Presentasi Tugas Besar PPMC.pptx
@@ -11,20 +11,25 @@
     <p:sldId id="258" r:id="rId5"/>
     <p:sldId id="259" r:id="rId6"/>
     <p:sldId id="275" r:id="rId7"/>
-    <p:sldId id="262" r:id="rId8"/>
-    <p:sldId id="260" r:id="rId9"/>
-    <p:sldId id="261" r:id="rId10"/>
-    <p:sldId id="263" r:id="rId11"/>
-    <p:sldId id="265" r:id="rId12"/>
-    <p:sldId id="266" r:id="rId13"/>
-    <p:sldId id="267" r:id="rId14"/>
-    <p:sldId id="268" r:id="rId15"/>
-    <p:sldId id="269" r:id="rId16"/>
-    <p:sldId id="270" r:id="rId17"/>
-    <p:sldId id="271" r:id="rId18"/>
-    <p:sldId id="272" r:id="rId19"/>
-    <p:sldId id="273" r:id="rId20"/>
-    <p:sldId id="274" r:id="rId21"/>
+    <p:sldId id="277" r:id="rId8"/>
+    <p:sldId id="262" r:id="rId9"/>
+    <p:sldId id="279" r:id="rId10"/>
+    <p:sldId id="280" r:id="rId11"/>
+    <p:sldId id="281" r:id="rId12"/>
+    <p:sldId id="278" r:id="rId13"/>
+    <p:sldId id="260" r:id="rId14"/>
+    <p:sldId id="261" r:id="rId15"/>
+    <p:sldId id="263" r:id="rId16"/>
+    <p:sldId id="265" r:id="rId17"/>
+    <p:sldId id="266" r:id="rId18"/>
+    <p:sldId id="267" r:id="rId19"/>
+    <p:sldId id="268" r:id="rId20"/>
+    <p:sldId id="269" r:id="rId21"/>
+    <p:sldId id="270" r:id="rId22"/>
+    <p:sldId id="271" r:id="rId23"/>
+    <p:sldId id="272" r:id="rId24"/>
+    <p:sldId id="273" r:id="rId25"/>
+    <p:sldId id="274" r:id="rId26"/>
   </p:sldIdLst>
   <p:sldSz cx="12192000" cy="6858000"/>
   <p:notesSz cx="6858000" cy="9144000"/>
@@ -153,7 +158,7 @@
           <p:cNvPr id="2" name="Title 1">
             <a:extLst>
               <a:ext uri="{FF2B5EF4-FFF2-40B4-BE49-F238E27FC236}">
-                <a16:creationId xmlns:a16="http://schemas.microsoft.com/office/drawing/2014/main" id="{9CC4AA9C-0134-4052-B468-0A01489FE6C1}"/>
+                <a16:creationId xmlns="" xmlns:a16="http://schemas.microsoft.com/office/drawing/2014/main" id="{9CC4AA9C-0134-4052-B468-0A01489FE6C1}"/>
               </a:ext>
             </a:extLst>
           </p:cNvPr>
@@ -191,7 +196,7 @@
           <p:cNvPr id="3" name="Subtitle 2">
             <a:extLst>
               <a:ext uri="{FF2B5EF4-FFF2-40B4-BE49-F238E27FC236}">
-                <a16:creationId xmlns:a16="http://schemas.microsoft.com/office/drawing/2014/main" id="{825347FF-33FD-4C87-AE76-58FEE19656A4}"/>
+                <a16:creationId xmlns="" xmlns:a16="http://schemas.microsoft.com/office/drawing/2014/main" id="{825347FF-33FD-4C87-AE76-58FEE19656A4}"/>
               </a:ext>
             </a:extLst>
           </p:cNvPr>
@@ -262,7 +267,7 @@
           <p:cNvPr id="4" name="Date Placeholder 3">
             <a:extLst>
               <a:ext uri="{FF2B5EF4-FFF2-40B4-BE49-F238E27FC236}">
-                <a16:creationId xmlns:a16="http://schemas.microsoft.com/office/drawing/2014/main" id="{6FC90BA3-D6B0-4C82-AEFD-8E743840C294}"/>
+                <a16:creationId xmlns="" xmlns:a16="http://schemas.microsoft.com/office/drawing/2014/main" id="{6FC90BA3-D6B0-4C82-AEFD-8E743840C294}"/>
               </a:ext>
             </a:extLst>
           </p:cNvPr>
@@ -280,7 +285,7 @@
           <a:p>
             <a:fld id="{0B594115-DCCB-4331-904D-2B61920D0021}" type="datetimeFigureOut">
               <a:rPr lang="id-ID" smtClean="0"/>
-              <a:t>10/04/2019</a:t>
+              <a:t>11/04/2019</a:t>
             </a:fld>
             <a:endParaRPr lang="id-ID"/>
           </a:p>
@@ -291,7 +296,7 @@
           <p:cNvPr id="5" name="Footer Placeholder 4">
             <a:extLst>
               <a:ext uri="{FF2B5EF4-FFF2-40B4-BE49-F238E27FC236}">
-                <a16:creationId xmlns:a16="http://schemas.microsoft.com/office/drawing/2014/main" id="{7450F727-98E8-478B-9C39-F5AB4568AC5F}"/>
+                <a16:creationId xmlns="" xmlns:a16="http://schemas.microsoft.com/office/drawing/2014/main" id="{7450F727-98E8-478B-9C39-F5AB4568AC5F}"/>
               </a:ext>
             </a:extLst>
           </p:cNvPr>
@@ -316,7 +321,7 @@
           <p:cNvPr id="6" name="Slide Number Placeholder 5">
             <a:extLst>
               <a:ext uri="{FF2B5EF4-FFF2-40B4-BE49-F238E27FC236}">
-                <a16:creationId xmlns:a16="http://schemas.microsoft.com/office/drawing/2014/main" id="{F64CEC2B-76FB-4F22-B450-9A73FC95CCF1}"/>
+                <a16:creationId xmlns="" xmlns:a16="http://schemas.microsoft.com/office/drawing/2014/main" id="{F64CEC2B-76FB-4F22-B450-9A73FC95CCF1}"/>
               </a:ext>
             </a:extLst>
           </p:cNvPr>
@@ -375,7 +380,7 @@
           <p:cNvPr id="2" name="Title 1">
             <a:extLst>
               <a:ext uri="{FF2B5EF4-FFF2-40B4-BE49-F238E27FC236}">
-                <a16:creationId xmlns:a16="http://schemas.microsoft.com/office/drawing/2014/main" id="{E092DD20-7613-4987-BACA-31C759C05F68}"/>
+                <a16:creationId xmlns="" xmlns:a16="http://schemas.microsoft.com/office/drawing/2014/main" id="{E092DD20-7613-4987-BACA-31C759C05F68}"/>
               </a:ext>
             </a:extLst>
           </p:cNvPr>
@@ -404,7 +409,7 @@
           <p:cNvPr id="3" name="Vertical Text Placeholder 2">
             <a:extLst>
               <a:ext uri="{FF2B5EF4-FFF2-40B4-BE49-F238E27FC236}">
-                <a16:creationId xmlns:a16="http://schemas.microsoft.com/office/drawing/2014/main" id="{2BA266C8-DF50-4164-B428-392F1D4CC3FA}"/>
+                <a16:creationId xmlns="" xmlns:a16="http://schemas.microsoft.com/office/drawing/2014/main" id="{2BA266C8-DF50-4164-B428-392F1D4CC3FA}"/>
               </a:ext>
             </a:extLst>
           </p:cNvPr>
@@ -462,7 +467,7 @@
           <p:cNvPr id="4" name="Date Placeholder 3">
             <a:extLst>
               <a:ext uri="{FF2B5EF4-FFF2-40B4-BE49-F238E27FC236}">
-                <a16:creationId xmlns:a16="http://schemas.microsoft.com/office/drawing/2014/main" id="{3E6B44C6-5011-46C3-A6BB-93D2C729D680}"/>
+                <a16:creationId xmlns="" xmlns:a16="http://schemas.microsoft.com/office/drawing/2014/main" id="{3E6B44C6-5011-46C3-A6BB-93D2C729D680}"/>
               </a:ext>
             </a:extLst>
           </p:cNvPr>
@@ -480,7 +485,7 @@
           <a:p>
             <a:fld id="{0B594115-DCCB-4331-904D-2B61920D0021}" type="datetimeFigureOut">
               <a:rPr lang="id-ID" smtClean="0"/>
-              <a:t>10/04/2019</a:t>
+              <a:t>11/04/2019</a:t>
             </a:fld>
             <a:endParaRPr lang="id-ID"/>
           </a:p>
@@ -491,7 +496,7 @@
           <p:cNvPr id="5" name="Footer Placeholder 4">
             <a:extLst>
               <a:ext uri="{FF2B5EF4-FFF2-40B4-BE49-F238E27FC236}">
-                <a16:creationId xmlns:a16="http://schemas.microsoft.com/office/drawing/2014/main" id="{B1175306-9E09-418F-A8AC-BDEE5C1CB4CC}"/>
+                <a16:creationId xmlns="" xmlns:a16="http://schemas.microsoft.com/office/drawing/2014/main" id="{B1175306-9E09-418F-A8AC-BDEE5C1CB4CC}"/>
               </a:ext>
             </a:extLst>
           </p:cNvPr>
@@ -516,7 +521,7 @@
           <p:cNvPr id="6" name="Slide Number Placeholder 5">
             <a:extLst>
               <a:ext uri="{FF2B5EF4-FFF2-40B4-BE49-F238E27FC236}">
-                <a16:creationId xmlns:a16="http://schemas.microsoft.com/office/drawing/2014/main" id="{35393B70-7318-43C8-87BD-2D1FEB4E8CD9}"/>
+                <a16:creationId xmlns="" xmlns:a16="http://schemas.microsoft.com/office/drawing/2014/main" id="{35393B70-7318-43C8-87BD-2D1FEB4E8CD9}"/>
               </a:ext>
             </a:extLst>
           </p:cNvPr>
@@ -575,7 +580,7 @@
           <p:cNvPr id="2" name="Vertical Title 1">
             <a:extLst>
               <a:ext uri="{FF2B5EF4-FFF2-40B4-BE49-F238E27FC236}">
-                <a16:creationId xmlns:a16="http://schemas.microsoft.com/office/drawing/2014/main" id="{CCB4A239-7483-482A-B5AD-FB50873B9A52}"/>
+                <a16:creationId xmlns="" xmlns:a16="http://schemas.microsoft.com/office/drawing/2014/main" id="{CCB4A239-7483-482A-B5AD-FB50873B9A52}"/>
               </a:ext>
             </a:extLst>
           </p:cNvPr>
@@ -609,7 +614,7 @@
           <p:cNvPr id="3" name="Vertical Text Placeholder 2">
             <a:extLst>
               <a:ext uri="{FF2B5EF4-FFF2-40B4-BE49-F238E27FC236}">
-                <a16:creationId xmlns:a16="http://schemas.microsoft.com/office/drawing/2014/main" id="{7E3BF212-48E7-4E03-9414-05444BE87E82}"/>
+                <a16:creationId xmlns="" xmlns:a16="http://schemas.microsoft.com/office/drawing/2014/main" id="{7E3BF212-48E7-4E03-9414-05444BE87E82}"/>
               </a:ext>
             </a:extLst>
           </p:cNvPr>
@@ -672,7 +677,7 @@
           <p:cNvPr id="4" name="Date Placeholder 3">
             <a:extLst>
               <a:ext uri="{FF2B5EF4-FFF2-40B4-BE49-F238E27FC236}">
-                <a16:creationId xmlns:a16="http://schemas.microsoft.com/office/drawing/2014/main" id="{F27AB4D9-52A8-41BA-9EA1-2AFDFD2F63A6}"/>
+                <a16:creationId xmlns="" xmlns:a16="http://schemas.microsoft.com/office/drawing/2014/main" id="{F27AB4D9-52A8-41BA-9EA1-2AFDFD2F63A6}"/>
               </a:ext>
             </a:extLst>
           </p:cNvPr>
@@ -690,7 +695,7 @@
           <a:p>
             <a:fld id="{0B594115-DCCB-4331-904D-2B61920D0021}" type="datetimeFigureOut">
               <a:rPr lang="id-ID" smtClean="0"/>
-              <a:t>10/04/2019</a:t>
+              <a:t>11/04/2019</a:t>
             </a:fld>
             <a:endParaRPr lang="id-ID"/>
           </a:p>
@@ -701,7 +706,7 @@
           <p:cNvPr id="5" name="Footer Placeholder 4">
             <a:extLst>
               <a:ext uri="{FF2B5EF4-FFF2-40B4-BE49-F238E27FC236}">
-                <a16:creationId xmlns:a16="http://schemas.microsoft.com/office/drawing/2014/main" id="{F25807A6-053A-4B22-A7A1-A04AAE4F26A6}"/>
+                <a16:creationId xmlns="" xmlns:a16="http://schemas.microsoft.com/office/drawing/2014/main" id="{F25807A6-053A-4B22-A7A1-A04AAE4F26A6}"/>
               </a:ext>
             </a:extLst>
           </p:cNvPr>
@@ -726,7 +731,7 @@
           <p:cNvPr id="6" name="Slide Number Placeholder 5">
             <a:extLst>
               <a:ext uri="{FF2B5EF4-FFF2-40B4-BE49-F238E27FC236}">
-                <a16:creationId xmlns:a16="http://schemas.microsoft.com/office/drawing/2014/main" id="{A6C27420-1D39-4F4B-9143-6B7B42727D18}"/>
+                <a16:creationId xmlns="" xmlns:a16="http://schemas.microsoft.com/office/drawing/2014/main" id="{A6C27420-1D39-4F4B-9143-6B7B42727D18}"/>
               </a:ext>
             </a:extLst>
           </p:cNvPr>
@@ -785,7 +790,7 @@
           <p:cNvPr id="2" name="Title 1">
             <a:extLst>
               <a:ext uri="{FF2B5EF4-FFF2-40B4-BE49-F238E27FC236}">
-                <a16:creationId xmlns:a16="http://schemas.microsoft.com/office/drawing/2014/main" id="{1F63A85B-9AE4-45C5-9A5B-8B062F3AB20C}"/>
+                <a16:creationId xmlns="" xmlns:a16="http://schemas.microsoft.com/office/drawing/2014/main" id="{1F63A85B-9AE4-45C5-9A5B-8B062F3AB20C}"/>
               </a:ext>
             </a:extLst>
           </p:cNvPr>
@@ -814,7 +819,7 @@
           <p:cNvPr id="3" name="Content Placeholder 2">
             <a:extLst>
               <a:ext uri="{FF2B5EF4-FFF2-40B4-BE49-F238E27FC236}">
-                <a16:creationId xmlns:a16="http://schemas.microsoft.com/office/drawing/2014/main" id="{51D86BC1-8653-4A5E-BF89-0D13C938E083}"/>
+                <a16:creationId xmlns="" xmlns:a16="http://schemas.microsoft.com/office/drawing/2014/main" id="{51D86BC1-8653-4A5E-BF89-0D13C938E083}"/>
               </a:ext>
             </a:extLst>
           </p:cNvPr>
@@ -872,7 +877,7 @@
           <p:cNvPr id="4" name="Date Placeholder 3">
             <a:extLst>
               <a:ext uri="{FF2B5EF4-FFF2-40B4-BE49-F238E27FC236}">
-                <a16:creationId xmlns:a16="http://schemas.microsoft.com/office/drawing/2014/main" id="{93EAA17A-7532-4955-90AB-453EE59F5B4D}"/>
+                <a16:creationId xmlns="" xmlns:a16="http://schemas.microsoft.com/office/drawing/2014/main" id="{93EAA17A-7532-4955-90AB-453EE59F5B4D}"/>
               </a:ext>
             </a:extLst>
           </p:cNvPr>
@@ -890,7 +895,7 @@
           <a:p>
             <a:fld id="{0B594115-DCCB-4331-904D-2B61920D0021}" type="datetimeFigureOut">
               <a:rPr lang="id-ID" smtClean="0"/>
-              <a:t>10/04/2019</a:t>
+              <a:t>11/04/2019</a:t>
             </a:fld>
             <a:endParaRPr lang="id-ID"/>
           </a:p>
@@ -901,7 +906,7 @@
           <p:cNvPr id="5" name="Footer Placeholder 4">
             <a:extLst>
               <a:ext uri="{FF2B5EF4-FFF2-40B4-BE49-F238E27FC236}">
-                <a16:creationId xmlns:a16="http://schemas.microsoft.com/office/drawing/2014/main" id="{0A0B3D35-218F-4703-A6A5-4317CEBDE0CF}"/>
+                <a16:creationId xmlns="" xmlns:a16="http://schemas.microsoft.com/office/drawing/2014/main" id="{0A0B3D35-218F-4703-A6A5-4317CEBDE0CF}"/>
               </a:ext>
             </a:extLst>
           </p:cNvPr>
@@ -926,7 +931,7 @@
           <p:cNvPr id="6" name="Slide Number Placeholder 5">
             <a:extLst>
               <a:ext uri="{FF2B5EF4-FFF2-40B4-BE49-F238E27FC236}">
-                <a16:creationId xmlns:a16="http://schemas.microsoft.com/office/drawing/2014/main" id="{3B2EF038-FFE1-4EA4-9A9F-0C8CC90FB1C3}"/>
+                <a16:creationId xmlns="" xmlns:a16="http://schemas.microsoft.com/office/drawing/2014/main" id="{3B2EF038-FFE1-4EA4-9A9F-0C8CC90FB1C3}"/>
               </a:ext>
             </a:extLst>
           </p:cNvPr>
@@ -985,7 +990,7 @@
           <p:cNvPr id="2" name="Title 1">
             <a:extLst>
               <a:ext uri="{FF2B5EF4-FFF2-40B4-BE49-F238E27FC236}">
-                <a16:creationId xmlns:a16="http://schemas.microsoft.com/office/drawing/2014/main" id="{2522E514-1ACE-43A5-8F59-3BB144B86D73}"/>
+                <a16:creationId xmlns="" xmlns:a16="http://schemas.microsoft.com/office/drawing/2014/main" id="{2522E514-1ACE-43A5-8F59-3BB144B86D73}"/>
               </a:ext>
             </a:extLst>
           </p:cNvPr>
@@ -1023,7 +1028,7 @@
           <p:cNvPr id="3" name="Text Placeholder 2">
             <a:extLst>
               <a:ext uri="{FF2B5EF4-FFF2-40B4-BE49-F238E27FC236}">
-                <a16:creationId xmlns:a16="http://schemas.microsoft.com/office/drawing/2014/main" id="{9CE3DC58-58DE-4F2A-92B7-6C4A1FFA475A}"/>
+                <a16:creationId xmlns="" xmlns:a16="http://schemas.microsoft.com/office/drawing/2014/main" id="{9CE3DC58-58DE-4F2A-92B7-6C4A1FFA475A}"/>
               </a:ext>
             </a:extLst>
           </p:cNvPr>
@@ -1148,7 +1153,7 @@
           <p:cNvPr id="4" name="Date Placeholder 3">
             <a:extLst>
               <a:ext uri="{FF2B5EF4-FFF2-40B4-BE49-F238E27FC236}">
-                <a16:creationId xmlns:a16="http://schemas.microsoft.com/office/drawing/2014/main" id="{AEA0D78C-3378-4358-A50B-A03763F66BFA}"/>
+                <a16:creationId xmlns="" xmlns:a16="http://schemas.microsoft.com/office/drawing/2014/main" id="{AEA0D78C-3378-4358-A50B-A03763F66BFA}"/>
               </a:ext>
             </a:extLst>
           </p:cNvPr>
@@ -1166,7 +1171,7 @@
           <a:p>
             <a:fld id="{0B594115-DCCB-4331-904D-2B61920D0021}" type="datetimeFigureOut">
               <a:rPr lang="id-ID" smtClean="0"/>
-              <a:t>10/04/2019</a:t>
+              <a:t>11/04/2019</a:t>
             </a:fld>
             <a:endParaRPr lang="id-ID"/>
           </a:p>
@@ -1177,7 +1182,7 @@
           <p:cNvPr id="5" name="Footer Placeholder 4">
             <a:extLst>
               <a:ext uri="{FF2B5EF4-FFF2-40B4-BE49-F238E27FC236}">
-                <a16:creationId xmlns:a16="http://schemas.microsoft.com/office/drawing/2014/main" id="{D53D93E0-64CD-4D05-BDB5-1C7DB172F5AD}"/>
+                <a16:creationId xmlns="" xmlns:a16="http://schemas.microsoft.com/office/drawing/2014/main" id="{D53D93E0-64CD-4D05-BDB5-1C7DB172F5AD}"/>
               </a:ext>
             </a:extLst>
           </p:cNvPr>
@@ -1202,7 +1207,7 @@
           <p:cNvPr id="6" name="Slide Number Placeholder 5">
             <a:extLst>
               <a:ext uri="{FF2B5EF4-FFF2-40B4-BE49-F238E27FC236}">
-                <a16:creationId xmlns:a16="http://schemas.microsoft.com/office/drawing/2014/main" id="{5C47BF1F-1F28-4756-BEE6-1076416DF36F}"/>
+                <a16:creationId xmlns="" xmlns:a16="http://schemas.microsoft.com/office/drawing/2014/main" id="{5C47BF1F-1F28-4756-BEE6-1076416DF36F}"/>
               </a:ext>
             </a:extLst>
           </p:cNvPr>
@@ -1261,7 +1266,7 @@
           <p:cNvPr id="2" name="Title 1">
             <a:extLst>
               <a:ext uri="{FF2B5EF4-FFF2-40B4-BE49-F238E27FC236}">
-                <a16:creationId xmlns:a16="http://schemas.microsoft.com/office/drawing/2014/main" id="{CD76DCE4-D335-4221-87F8-AD9B558880B8}"/>
+                <a16:creationId xmlns="" xmlns:a16="http://schemas.microsoft.com/office/drawing/2014/main" id="{CD76DCE4-D335-4221-87F8-AD9B558880B8}"/>
               </a:ext>
             </a:extLst>
           </p:cNvPr>
@@ -1290,7 +1295,7 @@
           <p:cNvPr id="3" name="Content Placeholder 2">
             <a:extLst>
               <a:ext uri="{FF2B5EF4-FFF2-40B4-BE49-F238E27FC236}">
-                <a16:creationId xmlns:a16="http://schemas.microsoft.com/office/drawing/2014/main" id="{F3F174E0-1ECD-466D-B2D8-E233D7A008E8}"/>
+                <a16:creationId xmlns="" xmlns:a16="http://schemas.microsoft.com/office/drawing/2014/main" id="{F3F174E0-1ECD-466D-B2D8-E233D7A008E8}"/>
               </a:ext>
             </a:extLst>
           </p:cNvPr>
@@ -1353,7 +1358,7 @@
           <p:cNvPr id="4" name="Content Placeholder 3">
             <a:extLst>
               <a:ext uri="{FF2B5EF4-FFF2-40B4-BE49-F238E27FC236}">
-                <a16:creationId xmlns:a16="http://schemas.microsoft.com/office/drawing/2014/main" id="{EC09E23D-52FD-484B-83D0-2CD12C8E6906}"/>
+                <a16:creationId xmlns="" xmlns:a16="http://schemas.microsoft.com/office/drawing/2014/main" id="{EC09E23D-52FD-484B-83D0-2CD12C8E6906}"/>
               </a:ext>
             </a:extLst>
           </p:cNvPr>
@@ -1416,7 +1421,7 @@
           <p:cNvPr id="5" name="Date Placeholder 4">
             <a:extLst>
               <a:ext uri="{FF2B5EF4-FFF2-40B4-BE49-F238E27FC236}">
-                <a16:creationId xmlns:a16="http://schemas.microsoft.com/office/drawing/2014/main" id="{1FFAF9E2-3804-4F6F-AADB-AA8DF34A7D8C}"/>
+                <a16:creationId xmlns="" xmlns:a16="http://schemas.microsoft.com/office/drawing/2014/main" id="{1FFAF9E2-3804-4F6F-AADB-AA8DF34A7D8C}"/>
               </a:ext>
             </a:extLst>
           </p:cNvPr>
@@ -1434,7 +1439,7 @@
           <a:p>
             <a:fld id="{0B594115-DCCB-4331-904D-2B61920D0021}" type="datetimeFigureOut">
               <a:rPr lang="id-ID" smtClean="0"/>
-              <a:t>10/04/2019</a:t>
+              <a:t>11/04/2019</a:t>
             </a:fld>
             <a:endParaRPr lang="id-ID"/>
           </a:p>
@@ -1445,7 +1450,7 @@
           <p:cNvPr id="6" name="Footer Placeholder 5">
             <a:extLst>
               <a:ext uri="{FF2B5EF4-FFF2-40B4-BE49-F238E27FC236}">
-                <a16:creationId xmlns:a16="http://schemas.microsoft.com/office/drawing/2014/main" id="{28A87882-6603-4698-A58C-5BE837CA0BD9}"/>
+                <a16:creationId xmlns="" xmlns:a16="http://schemas.microsoft.com/office/drawing/2014/main" id="{28A87882-6603-4698-A58C-5BE837CA0BD9}"/>
               </a:ext>
             </a:extLst>
           </p:cNvPr>
@@ -1470,7 +1475,7 @@
           <p:cNvPr id="7" name="Slide Number Placeholder 6">
             <a:extLst>
               <a:ext uri="{FF2B5EF4-FFF2-40B4-BE49-F238E27FC236}">
-                <a16:creationId xmlns:a16="http://schemas.microsoft.com/office/drawing/2014/main" id="{22F675D5-CF05-499D-B820-C6C5B162F26B}"/>
+                <a16:creationId xmlns="" xmlns:a16="http://schemas.microsoft.com/office/drawing/2014/main" id="{22F675D5-CF05-499D-B820-C6C5B162F26B}"/>
               </a:ext>
             </a:extLst>
           </p:cNvPr>
@@ -1529,7 +1534,7 @@
           <p:cNvPr id="2" name="Title 1">
             <a:extLst>
               <a:ext uri="{FF2B5EF4-FFF2-40B4-BE49-F238E27FC236}">
-                <a16:creationId xmlns:a16="http://schemas.microsoft.com/office/drawing/2014/main" id="{1CEB8A09-206A-4BF2-BAED-052172EA23F6}"/>
+                <a16:creationId xmlns="" xmlns:a16="http://schemas.microsoft.com/office/drawing/2014/main" id="{1CEB8A09-206A-4BF2-BAED-052172EA23F6}"/>
               </a:ext>
             </a:extLst>
           </p:cNvPr>
@@ -1563,7 +1568,7 @@
           <p:cNvPr id="3" name="Text Placeholder 2">
             <a:extLst>
               <a:ext uri="{FF2B5EF4-FFF2-40B4-BE49-F238E27FC236}">
-                <a16:creationId xmlns:a16="http://schemas.microsoft.com/office/drawing/2014/main" id="{51B36C4D-BE82-43FD-B0DF-725140184D3F}"/>
+                <a16:creationId xmlns="" xmlns:a16="http://schemas.microsoft.com/office/drawing/2014/main" id="{51B36C4D-BE82-43FD-B0DF-725140184D3F}"/>
               </a:ext>
             </a:extLst>
           </p:cNvPr>
@@ -1634,7 +1639,7 @@
           <p:cNvPr id="4" name="Content Placeholder 3">
             <a:extLst>
               <a:ext uri="{FF2B5EF4-FFF2-40B4-BE49-F238E27FC236}">
-                <a16:creationId xmlns:a16="http://schemas.microsoft.com/office/drawing/2014/main" id="{1ECD6CC6-6CF3-4C86-BC62-B6381EC3F841}"/>
+                <a16:creationId xmlns="" xmlns:a16="http://schemas.microsoft.com/office/drawing/2014/main" id="{1ECD6CC6-6CF3-4C86-BC62-B6381EC3F841}"/>
               </a:ext>
             </a:extLst>
           </p:cNvPr>
@@ -1697,7 +1702,7 @@
           <p:cNvPr id="5" name="Text Placeholder 4">
             <a:extLst>
               <a:ext uri="{FF2B5EF4-FFF2-40B4-BE49-F238E27FC236}">
-                <a16:creationId xmlns:a16="http://schemas.microsoft.com/office/drawing/2014/main" id="{58722306-39D0-4D14-8169-45AADB9D658E}"/>
+                <a16:creationId xmlns="" xmlns:a16="http://schemas.microsoft.com/office/drawing/2014/main" id="{58722306-39D0-4D14-8169-45AADB9D658E}"/>
               </a:ext>
             </a:extLst>
           </p:cNvPr>
@@ -1768,7 +1773,7 @@
           <p:cNvPr id="6" name="Content Placeholder 5">
             <a:extLst>
               <a:ext uri="{FF2B5EF4-FFF2-40B4-BE49-F238E27FC236}">
-                <a16:creationId xmlns:a16="http://schemas.microsoft.com/office/drawing/2014/main" id="{F4203786-B448-42B1-9F63-6D641C5098FA}"/>
+                <a16:creationId xmlns="" xmlns:a16="http://schemas.microsoft.com/office/drawing/2014/main" id="{F4203786-B448-42B1-9F63-6D641C5098FA}"/>
               </a:ext>
             </a:extLst>
           </p:cNvPr>
@@ -1831,7 +1836,7 @@
           <p:cNvPr id="7" name="Date Placeholder 6">
             <a:extLst>
               <a:ext uri="{FF2B5EF4-FFF2-40B4-BE49-F238E27FC236}">
-                <a16:creationId xmlns:a16="http://schemas.microsoft.com/office/drawing/2014/main" id="{52D18771-4E46-469D-984C-F7D4A3360363}"/>
+                <a16:creationId xmlns="" xmlns:a16="http://schemas.microsoft.com/office/drawing/2014/main" id="{52D18771-4E46-469D-984C-F7D4A3360363}"/>
               </a:ext>
             </a:extLst>
           </p:cNvPr>
@@ -1849,7 +1854,7 @@
           <a:p>
             <a:fld id="{0B594115-DCCB-4331-904D-2B61920D0021}" type="datetimeFigureOut">
               <a:rPr lang="id-ID" smtClean="0"/>
-              <a:t>10/04/2019</a:t>
+              <a:t>11/04/2019</a:t>
             </a:fld>
             <a:endParaRPr lang="id-ID"/>
           </a:p>
@@ -1860,7 +1865,7 @@
           <p:cNvPr id="8" name="Footer Placeholder 7">
             <a:extLst>
               <a:ext uri="{FF2B5EF4-FFF2-40B4-BE49-F238E27FC236}">
-                <a16:creationId xmlns:a16="http://schemas.microsoft.com/office/drawing/2014/main" id="{E0E085A7-0AD4-4464-8B86-9643C9A0C60D}"/>
+                <a16:creationId xmlns="" xmlns:a16="http://schemas.microsoft.com/office/drawing/2014/main" id="{E0E085A7-0AD4-4464-8B86-9643C9A0C60D}"/>
               </a:ext>
             </a:extLst>
           </p:cNvPr>
@@ -1885,7 +1890,7 @@
           <p:cNvPr id="9" name="Slide Number Placeholder 8">
             <a:extLst>
               <a:ext uri="{FF2B5EF4-FFF2-40B4-BE49-F238E27FC236}">
-                <a16:creationId xmlns:a16="http://schemas.microsoft.com/office/drawing/2014/main" id="{F9CE0878-25A0-431B-BE08-9B9AD065132E}"/>
+                <a16:creationId xmlns="" xmlns:a16="http://schemas.microsoft.com/office/drawing/2014/main" id="{F9CE0878-25A0-431B-BE08-9B9AD065132E}"/>
               </a:ext>
             </a:extLst>
           </p:cNvPr>
@@ -1944,7 +1949,7 @@
           <p:cNvPr id="2" name="Title 1">
             <a:extLst>
               <a:ext uri="{FF2B5EF4-FFF2-40B4-BE49-F238E27FC236}">
-                <a16:creationId xmlns:a16="http://schemas.microsoft.com/office/drawing/2014/main" id="{454C06A9-4D33-4F2A-A4DD-4D1DC10A3395}"/>
+                <a16:creationId xmlns="" xmlns:a16="http://schemas.microsoft.com/office/drawing/2014/main" id="{454C06A9-4D33-4F2A-A4DD-4D1DC10A3395}"/>
               </a:ext>
             </a:extLst>
           </p:cNvPr>
@@ -1973,7 +1978,7 @@
           <p:cNvPr id="3" name="Date Placeholder 2">
             <a:extLst>
               <a:ext uri="{FF2B5EF4-FFF2-40B4-BE49-F238E27FC236}">
-                <a16:creationId xmlns:a16="http://schemas.microsoft.com/office/drawing/2014/main" id="{1D2FDB9A-820B-44C2-AE79-277C4FEF58BD}"/>
+                <a16:creationId xmlns="" xmlns:a16="http://schemas.microsoft.com/office/drawing/2014/main" id="{1D2FDB9A-820B-44C2-AE79-277C4FEF58BD}"/>
               </a:ext>
             </a:extLst>
           </p:cNvPr>
@@ -1991,7 +1996,7 @@
           <a:p>
             <a:fld id="{0B594115-DCCB-4331-904D-2B61920D0021}" type="datetimeFigureOut">
               <a:rPr lang="id-ID" smtClean="0"/>
-              <a:t>10/04/2019</a:t>
+              <a:t>11/04/2019</a:t>
             </a:fld>
             <a:endParaRPr lang="id-ID"/>
           </a:p>
@@ -2002,7 +2007,7 @@
           <p:cNvPr id="4" name="Footer Placeholder 3">
             <a:extLst>
               <a:ext uri="{FF2B5EF4-FFF2-40B4-BE49-F238E27FC236}">
-                <a16:creationId xmlns:a16="http://schemas.microsoft.com/office/drawing/2014/main" id="{6F6203E2-A7C6-4EBC-A688-E259FC655742}"/>
+                <a16:creationId xmlns="" xmlns:a16="http://schemas.microsoft.com/office/drawing/2014/main" id="{6F6203E2-A7C6-4EBC-A688-E259FC655742}"/>
               </a:ext>
             </a:extLst>
           </p:cNvPr>
@@ -2027,7 +2032,7 @@
           <p:cNvPr id="5" name="Slide Number Placeholder 4">
             <a:extLst>
               <a:ext uri="{FF2B5EF4-FFF2-40B4-BE49-F238E27FC236}">
-                <a16:creationId xmlns:a16="http://schemas.microsoft.com/office/drawing/2014/main" id="{660807E3-BD20-4DC1-AB20-52CDE27E48D2}"/>
+                <a16:creationId xmlns="" xmlns:a16="http://schemas.microsoft.com/office/drawing/2014/main" id="{660807E3-BD20-4DC1-AB20-52CDE27E48D2}"/>
               </a:ext>
             </a:extLst>
           </p:cNvPr>
@@ -2086,7 +2091,7 @@
           <p:cNvPr id="2" name="Date Placeholder 1">
             <a:extLst>
               <a:ext uri="{FF2B5EF4-FFF2-40B4-BE49-F238E27FC236}">
-                <a16:creationId xmlns:a16="http://schemas.microsoft.com/office/drawing/2014/main" id="{F8072331-36BC-4B0D-BC82-FB4117601F68}"/>
+                <a16:creationId xmlns="" xmlns:a16="http://schemas.microsoft.com/office/drawing/2014/main" id="{F8072331-36BC-4B0D-BC82-FB4117601F68}"/>
               </a:ext>
             </a:extLst>
           </p:cNvPr>
@@ -2104,7 +2109,7 @@
           <a:p>
             <a:fld id="{0B594115-DCCB-4331-904D-2B61920D0021}" type="datetimeFigureOut">
               <a:rPr lang="id-ID" smtClean="0"/>
-              <a:t>10/04/2019</a:t>
+              <a:t>11/04/2019</a:t>
             </a:fld>
             <a:endParaRPr lang="id-ID"/>
           </a:p>
@@ -2115,7 +2120,7 @@
           <p:cNvPr id="3" name="Footer Placeholder 2">
             <a:extLst>
               <a:ext uri="{FF2B5EF4-FFF2-40B4-BE49-F238E27FC236}">
-                <a16:creationId xmlns:a16="http://schemas.microsoft.com/office/drawing/2014/main" id="{C7498DEC-937C-4AB7-84D9-4CBE16FD95F7}"/>
+                <a16:creationId xmlns="" xmlns:a16="http://schemas.microsoft.com/office/drawing/2014/main" id="{C7498DEC-937C-4AB7-84D9-4CBE16FD95F7}"/>
               </a:ext>
             </a:extLst>
           </p:cNvPr>
@@ -2140,7 +2145,7 @@
           <p:cNvPr id="4" name="Slide Number Placeholder 3">
             <a:extLst>
               <a:ext uri="{FF2B5EF4-FFF2-40B4-BE49-F238E27FC236}">
-                <a16:creationId xmlns:a16="http://schemas.microsoft.com/office/drawing/2014/main" id="{5E315A7E-FDC1-47FA-8DD1-94AE5092C056}"/>
+                <a16:creationId xmlns="" xmlns:a16="http://schemas.microsoft.com/office/drawing/2014/main" id="{5E315A7E-FDC1-47FA-8DD1-94AE5092C056}"/>
               </a:ext>
             </a:extLst>
           </p:cNvPr>
@@ -2199,7 +2204,7 @@
           <p:cNvPr id="2" name="Title 1">
             <a:extLst>
               <a:ext uri="{FF2B5EF4-FFF2-40B4-BE49-F238E27FC236}">
-                <a16:creationId xmlns:a16="http://schemas.microsoft.com/office/drawing/2014/main" id="{B375C1E3-C8F7-425D-9723-5625E7461E05}"/>
+                <a16:creationId xmlns="" xmlns:a16="http://schemas.microsoft.com/office/drawing/2014/main" id="{B375C1E3-C8F7-425D-9723-5625E7461E05}"/>
               </a:ext>
             </a:extLst>
           </p:cNvPr>
@@ -2237,7 +2242,7 @@
           <p:cNvPr id="3" name="Content Placeholder 2">
             <a:extLst>
               <a:ext uri="{FF2B5EF4-FFF2-40B4-BE49-F238E27FC236}">
-                <a16:creationId xmlns:a16="http://schemas.microsoft.com/office/drawing/2014/main" id="{10FF6C30-A336-41EF-8884-C2F43865872E}"/>
+                <a16:creationId xmlns="" xmlns:a16="http://schemas.microsoft.com/office/drawing/2014/main" id="{10FF6C30-A336-41EF-8884-C2F43865872E}"/>
               </a:ext>
             </a:extLst>
           </p:cNvPr>
@@ -2328,7 +2333,7 @@
           <p:cNvPr id="4" name="Text Placeholder 3">
             <a:extLst>
               <a:ext uri="{FF2B5EF4-FFF2-40B4-BE49-F238E27FC236}">
-                <a16:creationId xmlns:a16="http://schemas.microsoft.com/office/drawing/2014/main" id="{FEC783F0-1967-41C8-8E87-88637D0026B5}"/>
+                <a16:creationId xmlns="" xmlns:a16="http://schemas.microsoft.com/office/drawing/2014/main" id="{FEC783F0-1967-41C8-8E87-88637D0026B5}"/>
               </a:ext>
             </a:extLst>
           </p:cNvPr>
@@ -2399,7 +2404,7 @@
           <p:cNvPr id="5" name="Date Placeholder 4">
             <a:extLst>
               <a:ext uri="{FF2B5EF4-FFF2-40B4-BE49-F238E27FC236}">
-                <a16:creationId xmlns:a16="http://schemas.microsoft.com/office/drawing/2014/main" id="{543BEA95-2AE8-44FA-8E94-251A753AA4C7}"/>
+                <a16:creationId xmlns="" xmlns:a16="http://schemas.microsoft.com/office/drawing/2014/main" id="{543BEA95-2AE8-44FA-8E94-251A753AA4C7}"/>
               </a:ext>
             </a:extLst>
           </p:cNvPr>
@@ -2417,7 +2422,7 @@
           <a:p>
             <a:fld id="{0B594115-DCCB-4331-904D-2B61920D0021}" type="datetimeFigureOut">
               <a:rPr lang="id-ID" smtClean="0"/>
-              <a:t>10/04/2019</a:t>
+              <a:t>11/04/2019</a:t>
             </a:fld>
             <a:endParaRPr lang="id-ID"/>
           </a:p>
@@ -2428,7 +2433,7 @@
           <p:cNvPr id="6" name="Footer Placeholder 5">
             <a:extLst>
               <a:ext uri="{FF2B5EF4-FFF2-40B4-BE49-F238E27FC236}">
-                <a16:creationId xmlns:a16="http://schemas.microsoft.com/office/drawing/2014/main" id="{A24CFF0B-505F-4D4D-AC09-3394FFB593A9}"/>
+                <a16:creationId xmlns="" xmlns:a16="http://schemas.microsoft.com/office/drawing/2014/main" id="{A24CFF0B-505F-4D4D-AC09-3394FFB593A9}"/>
               </a:ext>
             </a:extLst>
           </p:cNvPr>
@@ -2453,7 +2458,7 @@
           <p:cNvPr id="7" name="Slide Number Placeholder 6">
             <a:extLst>
               <a:ext uri="{FF2B5EF4-FFF2-40B4-BE49-F238E27FC236}">
-                <a16:creationId xmlns:a16="http://schemas.microsoft.com/office/drawing/2014/main" id="{DB0E8BCD-E669-4553-B89A-BF2A89B387DA}"/>
+                <a16:creationId xmlns="" xmlns:a16="http://schemas.microsoft.com/office/drawing/2014/main" id="{DB0E8BCD-E669-4553-B89A-BF2A89B387DA}"/>
               </a:ext>
             </a:extLst>
           </p:cNvPr>
@@ -2512,7 +2517,7 @@
           <p:cNvPr id="2" name="Title 1">
             <a:extLst>
               <a:ext uri="{FF2B5EF4-FFF2-40B4-BE49-F238E27FC236}">
-                <a16:creationId xmlns:a16="http://schemas.microsoft.com/office/drawing/2014/main" id="{8B8B7EB8-C08C-4243-BE7B-0F736B486862}"/>
+                <a16:creationId xmlns="" xmlns:a16="http://schemas.microsoft.com/office/drawing/2014/main" id="{8B8B7EB8-C08C-4243-BE7B-0F736B486862}"/>
               </a:ext>
             </a:extLst>
           </p:cNvPr>
@@ -2550,7 +2555,7 @@
           <p:cNvPr id="3" name="Picture Placeholder 2">
             <a:extLst>
               <a:ext uri="{FF2B5EF4-FFF2-40B4-BE49-F238E27FC236}">
-                <a16:creationId xmlns:a16="http://schemas.microsoft.com/office/drawing/2014/main" id="{274D2455-E123-465B-8F09-D24FAF017155}"/>
+                <a16:creationId xmlns="" xmlns:a16="http://schemas.microsoft.com/office/drawing/2014/main" id="{274D2455-E123-465B-8F09-D24FAF017155}"/>
               </a:ext>
             </a:extLst>
           </p:cNvPr>
@@ -2617,7 +2622,7 @@
           <p:cNvPr id="4" name="Text Placeholder 3">
             <a:extLst>
               <a:ext uri="{FF2B5EF4-FFF2-40B4-BE49-F238E27FC236}">
-                <a16:creationId xmlns:a16="http://schemas.microsoft.com/office/drawing/2014/main" id="{34A27678-7CAC-4461-B66D-B34E4943E62E}"/>
+                <a16:creationId xmlns="" xmlns:a16="http://schemas.microsoft.com/office/drawing/2014/main" id="{34A27678-7CAC-4461-B66D-B34E4943E62E}"/>
               </a:ext>
             </a:extLst>
           </p:cNvPr>
@@ -2688,7 +2693,7 @@
           <p:cNvPr id="5" name="Date Placeholder 4">
             <a:extLst>
               <a:ext uri="{FF2B5EF4-FFF2-40B4-BE49-F238E27FC236}">
-                <a16:creationId xmlns:a16="http://schemas.microsoft.com/office/drawing/2014/main" id="{7F6EC7EC-0365-4319-BB9F-AE8EFBE82E82}"/>
+                <a16:creationId xmlns="" xmlns:a16="http://schemas.microsoft.com/office/drawing/2014/main" id="{7F6EC7EC-0365-4319-BB9F-AE8EFBE82E82}"/>
               </a:ext>
             </a:extLst>
           </p:cNvPr>
@@ -2706,7 +2711,7 @@
           <a:p>
             <a:fld id="{0B594115-DCCB-4331-904D-2B61920D0021}" type="datetimeFigureOut">
               <a:rPr lang="id-ID" smtClean="0"/>
-              <a:t>10/04/2019</a:t>
+              <a:t>11/04/2019</a:t>
             </a:fld>
             <a:endParaRPr lang="id-ID"/>
           </a:p>
@@ -2717,7 +2722,7 @@
           <p:cNvPr id="6" name="Footer Placeholder 5">
             <a:extLst>
               <a:ext uri="{FF2B5EF4-FFF2-40B4-BE49-F238E27FC236}">
-                <a16:creationId xmlns:a16="http://schemas.microsoft.com/office/drawing/2014/main" id="{0821FF39-8D53-429D-9C90-333ADC380110}"/>
+                <a16:creationId xmlns="" xmlns:a16="http://schemas.microsoft.com/office/drawing/2014/main" id="{0821FF39-8D53-429D-9C90-333ADC380110}"/>
               </a:ext>
             </a:extLst>
           </p:cNvPr>
@@ -2742,7 +2747,7 @@
           <p:cNvPr id="7" name="Slide Number Placeholder 6">
             <a:extLst>
               <a:ext uri="{FF2B5EF4-FFF2-40B4-BE49-F238E27FC236}">
-                <a16:creationId xmlns:a16="http://schemas.microsoft.com/office/drawing/2014/main" id="{ACC59385-E7D8-4010-9021-53D08B6A1A57}"/>
+                <a16:creationId xmlns="" xmlns:a16="http://schemas.microsoft.com/office/drawing/2014/main" id="{ACC59385-E7D8-4010-9021-53D08B6A1A57}"/>
               </a:ext>
             </a:extLst>
           </p:cNvPr>
@@ -2806,7 +2811,7 @@
           <p:cNvPr id="2" name="Title Placeholder 1">
             <a:extLst>
               <a:ext uri="{FF2B5EF4-FFF2-40B4-BE49-F238E27FC236}">
-                <a16:creationId xmlns:a16="http://schemas.microsoft.com/office/drawing/2014/main" id="{C0CA8D61-F1D7-4219-9101-47CC1FD6727D}"/>
+                <a16:creationId xmlns="" xmlns:a16="http://schemas.microsoft.com/office/drawing/2014/main" id="{C0CA8D61-F1D7-4219-9101-47CC1FD6727D}"/>
               </a:ext>
             </a:extLst>
           </p:cNvPr>
@@ -2845,7 +2850,7 @@
           <p:cNvPr id="3" name="Text Placeholder 2">
             <a:extLst>
               <a:ext uri="{FF2B5EF4-FFF2-40B4-BE49-F238E27FC236}">
-                <a16:creationId xmlns:a16="http://schemas.microsoft.com/office/drawing/2014/main" id="{0E59ACD7-92F0-46EF-B8D9-7048D6F92F0E}"/>
+                <a16:creationId xmlns="" xmlns:a16="http://schemas.microsoft.com/office/drawing/2014/main" id="{0E59ACD7-92F0-46EF-B8D9-7048D6F92F0E}"/>
               </a:ext>
             </a:extLst>
           </p:cNvPr>
@@ -2913,7 +2918,7 @@
           <p:cNvPr id="4" name="Date Placeholder 3">
             <a:extLst>
               <a:ext uri="{FF2B5EF4-FFF2-40B4-BE49-F238E27FC236}">
-                <a16:creationId xmlns:a16="http://schemas.microsoft.com/office/drawing/2014/main" id="{B51B9A77-513D-4837-9B93-8F2D8D373B03}"/>
+                <a16:creationId xmlns="" xmlns:a16="http://schemas.microsoft.com/office/drawing/2014/main" id="{B51B9A77-513D-4837-9B93-8F2D8D373B03}"/>
               </a:ext>
             </a:extLst>
           </p:cNvPr>
@@ -2949,7 +2954,7 @@
           <a:p>
             <a:fld id="{0B594115-DCCB-4331-904D-2B61920D0021}" type="datetimeFigureOut">
               <a:rPr lang="id-ID" smtClean="0"/>
-              <a:t>10/04/2019</a:t>
+              <a:t>11/04/2019</a:t>
             </a:fld>
             <a:endParaRPr lang="id-ID"/>
           </a:p>
@@ -2960,7 +2965,7 @@
           <p:cNvPr id="5" name="Footer Placeholder 4">
             <a:extLst>
               <a:ext uri="{FF2B5EF4-FFF2-40B4-BE49-F238E27FC236}">
-                <a16:creationId xmlns:a16="http://schemas.microsoft.com/office/drawing/2014/main" id="{85CB5934-DFF8-4868-8D2F-5A97668D2E80}"/>
+                <a16:creationId xmlns="" xmlns:a16="http://schemas.microsoft.com/office/drawing/2014/main" id="{85CB5934-DFF8-4868-8D2F-5A97668D2E80}"/>
               </a:ext>
             </a:extLst>
           </p:cNvPr>
@@ -3003,7 +3008,7 @@
           <p:cNvPr id="6" name="Slide Number Placeholder 5">
             <a:extLst>
               <a:ext uri="{FF2B5EF4-FFF2-40B4-BE49-F238E27FC236}">
-                <a16:creationId xmlns:a16="http://schemas.microsoft.com/office/drawing/2014/main" id="{E438F69D-A190-4CAE-9A1E-6C3D831D9EE0}"/>
+                <a16:creationId xmlns="" xmlns:a16="http://schemas.microsoft.com/office/drawing/2014/main" id="{E438F69D-A190-4CAE-9A1E-6C3D831D9EE0}"/>
               </a:ext>
             </a:extLst>
           </p:cNvPr>
@@ -3371,7 +3376,7 @@
           <p:cNvPr id="2" name="Title 1">
             <a:extLst>
               <a:ext uri="{FF2B5EF4-FFF2-40B4-BE49-F238E27FC236}">
-                <a16:creationId xmlns:a16="http://schemas.microsoft.com/office/drawing/2014/main" id="{5C1E04F7-81FD-4CB7-A437-4DCE24ADBF30}"/>
+                <a16:creationId xmlns="" xmlns:a16="http://schemas.microsoft.com/office/drawing/2014/main" id="{5C1E04F7-81FD-4CB7-A437-4DCE24ADBF30}"/>
               </a:ext>
             </a:extLst>
           </p:cNvPr>
@@ -3431,7 +3436,7 @@
           <p:cNvPr id="3" name="Subtitle 2">
             <a:extLst>
               <a:ext uri="{FF2B5EF4-FFF2-40B4-BE49-F238E27FC236}">
-                <a16:creationId xmlns:a16="http://schemas.microsoft.com/office/drawing/2014/main" id="{AD8D20C3-05DD-4E71-83BC-392B7471C2E1}"/>
+                <a16:creationId xmlns="" xmlns:a16="http://schemas.microsoft.com/office/drawing/2014/main" id="{AD8D20C3-05DD-4E71-83BC-392B7471C2E1}"/>
               </a:ext>
             </a:extLst>
           </p:cNvPr>
@@ -3519,7 +3524,477 @@
 </file>
 
 <file path=ppt/slides/slide10.xml><?xml version="1.0" encoding="utf-8"?>
-<p:sld xmlns:a="http://schemas.openxmlformats.org/drawingml/2006/main" xmlns:r="http://schemas.openxmlformats.org/officeDocument/2006/relationships" xmlns:p="http://schemas.openxmlformats.org/presentationml/2006/main" show="0">
+<p:sld xmlns:a="http://schemas.openxmlformats.org/drawingml/2006/main" xmlns:r="http://schemas.openxmlformats.org/officeDocument/2006/relationships" xmlns:p="http://schemas.openxmlformats.org/presentationml/2006/main">
+  <p:cSld>
+    <p:spTree>
+      <p:nvGrpSpPr>
+        <p:cNvPr id="1" name=""/>
+        <p:cNvGrpSpPr/>
+        <p:nvPr/>
+      </p:nvGrpSpPr>
+      <p:grpSpPr>
+        <a:xfrm>
+          <a:off x="0" y="0"/>
+          <a:ext cx="0" cy="0"/>
+          <a:chOff x="0" y="0"/>
+          <a:chExt cx="0" cy="0"/>
+        </a:xfrm>
+      </p:grpSpPr>
+      <p:sp>
+        <p:nvSpPr>
+          <p:cNvPr id="2" name="Title 1"/>
+          <p:cNvSpPr>
+            <a:spLocks noGrp="1"/>
+          </p:cNvSpPr>
+          <p:nvPr>
+            <p:ph type="title"/>
+          </p:nvPr>
+        </p:nvSpPr>
+        <p:spPr>
+          <a:xfrm>
+            <a:off x="838200" y="365126"/>
+            <a:ext cx="10515600" cy="922762"/>
+          </a:xfrm>
+        </p:spPr>
+        <p:txBody>
+          <a:bodyPr/>
+          <a:lstStyle/>
+          <a:p>
+            <a:r>
+              <a:rPr lang="en-US" dirty="0" err="1" smtClean="0"/>
+              <a:t>Hasil</a:t>
+            </a:r>
+            <a:r>
+              <a:rPr lang="en-US" dirty="0" smtClean="0"/>
+              <a:t> Common Emitter – Routing</a:t>
+            </a:r>
+            <a:endParaRPr lang="en-US" dirty="0"/>
+          </a:p>
+        </p:txBody>
+      </p:sp>
+      <p:pic>
+        <p:nvPicPr>
+          <p:cNvPr id="3" name="Picture 2"/>
+          <p:cNvPicPr>
+            <a:picLocks noChangeAspect="1"/>
+          </p:cNvPicPr>
+          <p:nvPr/>
+        </p:nvPicPr>
+        <p:blipFill>
+          <a:blip r:embed="rId2">
+            <a:extLst>
+              <a:ext uri="{28A0092B-C50C-407E-A947-70E740481C1C}">
+                <a14:useLocalDpi xmlns:a14="http://schemas.microsoft.com/office/drawing/2010/main" val="0"/>
+              </a:ext>
+            </a:extLst>
+          </a:blip>
+          <a:stretch>
+            <a:fillRect/>
+          </a:stretch>
+        </p:blipFill>
+        <p:spPr>
+          <a:xfrm>
+            <a:off x="3365948" y="1136507"/>
+            <a:ext cx="5460104" cy="5274831"/>
+          </a:xfrm>
+          <a:prstGeom prst="rect">
+            <a:avLst/>
+          </a:prstGeom>
+        </p:spPr>
+      </p:pic>
+    </p:spTree>
+    <p:extLst>
+      <p:ext uri="{BB962C8B-B14F-4D97-AF65-F5344CB8AC3E}">
+        <p14:creationId xmlns:p14="http://schemas.microsoft.com/office/powerpoint/2010/main" val="3120676181"/>
+      </p:ext>
+    </p:extLst>
+  </p:cSld>
+  <p:clrMapOvr>
+    <a:masterClrMapping/>
+  </p:clrMapOvr>
+</p:sld>
+</file>
+
+<file path=ppt/slides/slide11.xml><?xml version="1.0" encoding="utf-8"?>
+<p:sld xmlns:a="http://schemas.openxmlformats.org/drawingml/2006/main" xmlns:r="http://schemas.openxmlformats.org/officeDocument/2006/relationships" xmlns:p="http://schemas.openxmlformats.org/presentationml/2006/main">
+  <p:cSld>
+    <p:spTree>
+      <p:nvGrpSpPr>
+        <p:cNvPr id="1" name=""/>
+        <p:cNvGrpSpPr/>
+        <p:nvPr/>
+      </p:nvGrpSpPr>
+      <p:grpSpPr>
+        <a:xfrm>
+          <a:off x="0" y="0"/>
+          <a:ext cx="0" cy="0"/>
+          <a:chOff x="0" y="0"/>
+          <a:chExt cx="0" cy="0"/>
+        </a:xfrm>
+      </p:grpSpPr>
+      <p:sp>
+        <p:nvSpPr>
+          <p:cNvPr id="2" name="Title 1"/>
+          <p:cNvSpPr>
+            <a:spLocks noGrp="1"/>
+          </p:cNvSpPr>
+          <p:nvPr>
+            <p:ph type="title"/>
+          </p:nvPr>
+        </p:nvSpPr>
+        <p:spPr>
+          <a:xfrm>
+            <a:off x="838200" y="365126"/>
+            <a:ext cx="10515600" cy="922762"/>
+          </a:xfrm>
+        </p:spPr>
+        <p:txBody>
+          <a:bodyPr/>
+          <a:lstStyle/>
+          <a:p>
+            <a:r>
+              <a:rPr lang="en-US" dirty="0" err="1" smtClean="0"/>
+              <a:t>Hasil</a:t>
+            </a:r>
+            <a:r>
+              <a:rPr lang="en-US" dirty="0" smtClean="0"/>
+              <a:t> Design Rule Checker</a:t>
+            </a:r>
+            <a:endParaRPr lang="en-US" dirty="0"/>
+          </a:p>
+        </p:txBody>
+      </p:sp>
+      <p:pic>
+        <p:nvPicPr>
+          <p:cNvPr id="4" name="Picture 3"/>
+          <p:cNvPicPr>
+            <a:picLocks noChangeAspect="1"/>
+          </p:cNvPicPr>
+          <p:nvPr/>
+        </p:nvPicPr>
+        <p:blipFill>
+          <a:blip r:embed="rId2">
+            <a:extLst>
+              <a:ext uri="{28A0092B-C50C-407E-A947-70E740481C1C}">
+                <a14:useLocalDpi xmlns:a14="http://schemas.microsoft.com/office/drawing/2010/main" val="0"/>
+              </a:ext>
+            </a:extLst>
+          </a:blip>
+          <a:stretch>
+            <a:fillRect/>
+          </a:stretch>
+        </p:blipFill>
+        <p:spPr>
+          <a:xfrm>
+            <a:off x="966614" y="1092611"/>
+            <a:ext cx="8705420" cy="5211860"/>
+          </a:xfrm>
+          <a:prstGeom prst="rect">
+            <a:avLst/>
+          </a:prstGeom>
+        </p:spPr>
+      </p:pic>
+    </p:spTree>
+    <p:extLst>
+      <p:ext uri="{BB962C8B-B14F-4D97-AF65-F5344CB8AC3E}">
+        <p14:creationId xmlns:p14="http://schemas.microsoft.com/office/powerpoint/2010/main" val="2276899988"/>
+      </p:ext>
+    </p:extLst>
+  </p:cSld>
+  <p:clrMapOvr>
+    <a:masterClrMapping/>
+  </p:clrMapOvr>
+</p:sld>
+</file>
+
+<file path=ppt/slides/slide12.xml><?xml version="1.0" encoding="utf-8"?>
+<p:sld xmlns:a="http://schemas.openxmlformats.org/drawingml/2006/main" xmlns:r="http://schemas.openxmlformats.org/officeDocument/2006/relationships" xmlns:p="http://schemas.openxmlformats.org/presentationml/2006/main">
+  <p:cSld>
+    <p:spTree>
+      <p:nvGrpSpPr>
+        <p:cNvPr id="1" name=""/>
+        <p:cNvGrpSpPr/>
+        <p:nvPr/>
+      </p:nvGrpSpPr>
+      <p:grpSpPr>
+        <a:xfrm>
+          <a:off x="0" y="0"/>
+          <a:ext cx="0" cy="0"/>
+          <a:chOff x="0" y="0"/>
+          <a:chExt cx="0" cy="0"/>
+        </a:xfrm>
+      </p:grpSpPr>
+      <p:sp>
+        <p:nvSpPr>
+          <p:cNvPr id="2" name="Title 1"/>
+          <p:cNvSpPr>
+            <a:spLocks noGrp="1"/>
+          </p:cNvSpPr>
+          <p:nvPr>
+            <p:ph type="title"/>
+          </p:nvPr>
+        </p:nvSpPr>
+        <p:spPr>
+          <a:xfrm>
+            <a:off x="838200" y="365125"/>
+            <a:ext cx="10515600" cy="6074312"/>
+          </a:xfrm>
+        </p:spPr>
+        <p:txBody>
+          <a:bodyPr/>
+          <a:lstStyle/>
+          <a:p>
+            <a:r>
+              <a:rPr lang="en-US" dirty="0" smtClean="0"/>
+              <a:t>Link </a:t>
+            </a:r>
+            <a:r>
+              <a:rPr lang="en-US" dirty="0" err="1" smtClean="0"/>
+              <a:t>Github</a:t>
+            </a:r>
+            <a:r>
+              <a:rPr lang="en-US" dirty="0"/>
+              <a:t> :</a:t>
+            </a:r>
+            <a:br>
+              <a:rPr lang="en-US" dirty="0"/>
+            </a:br>
+            <a:r>
+              <a:rPr lang="en-US" dirty="0">
+                <a:hlinkClick r:id="rId2"/>
+              </a:rPr>
+              <a:t>https://</a:t>
+            </a:r>
+            <a:r>
+              <a:rPr lang="en-US" dirty="0" smtClean="0">
+                <a:hlinkClick r:id="rId2"/>
+              </a:rPr>
+              <a:t>github.com/Kyunianti19/Tubes_PPMC</a:t>
+            </a:r>
+            <a:r>
+              <a:rPr lang="en-US" dirty="0" smtClean="0"/>
+              <a:t/>
+            </a:r>
+            <a:br>
+              <a:rPr lang="en-US" dirty="0" smtClean="0"/>
+            </a:br>
+            <a:endParaRPr lang="en-US" dirty="0"/>
+          </a:p>
+        </p:txBody>
+      </p:sp>
+    </p:spTree>
+    <p:extLst>
+      <p:ext uri="{BB962C8B-B14F-4D97-AF65-F5344CB8AC3E}">
+        <p14:creationId xmlns:p14="http://schemas.microsoft.com/office/powerpoint/2010/main" val="1449882835"/>
+      </p:ext>
+    </p:extLst>
+  </p:cSld>
+  <p:clrMapOvr>
+    <a:masterClrMapping/>
+  </p:clrMapOvr>
+</p:sld>
+</file>
+
+<file path=ppt/slides/slide13.xml><?xml version="1.0" encoding="utf-8"?>
+<p:sld xmlns:a="http://schemas.openxmlformats.org/drawingml/2006/main" xmlns:r="http://schemas.openxmlformats.org/officeDocument/2006/relationships" xmlns:p="http://schemas.openxmlformats.org/presentationml/2006/main">
+  <p:cSld>
+    <p:spTree>
+      <p:nvGrpSpPr>
+        <p:cNvPr id="1" name=""/>
+        <p:cNvGrpSpPr/>
+        <p:nvPr/>
+      </p:nvGrpSpPr>
+      <p:grpSpPr>
+        <a:xfrm>
+          <a:off x="0" y="0"/>
+          <a:ext cx="0" cy="0"/>
+          <a:chOff x="0" y="0"/>
+          <a:chExt cx="0" cy="0"/>
+        </a:xfrm>
+      </p:grpSpPr>
+      <p:sp>
+        <p:nvSpPr>
+          <p:cNvPr id="4" name="Title 3">
+            <a:extLst>
+              <a:ext uri="{FF2B5EF4-FFF2-40B4-BE49-F238E27FC236}">
+                <a16:creationId xmlns="" xmlns:a16="http://schemas.microsoft.com/office/drawing/2014/main" id="{385B5DE6-82A2-4C48-9C36-2275E4266186}"/>
+              </a:ext>
+            </a:extLst>
+          </p:cNvPr>
+          <p:cNvSpPr>
+            <a:spLocks noGrp="1"/>
+          </p:cNvSpPr>
+          <p:nvPr>
+            <p:ph type="title"/>
+          </p:nvPr>
+        </p:nvSpPr>
+        <p:spPr/>
+        <p:txBody>
+          <a:bodyPr/>
+          <a:lstStyle/>
+          <a:p>
+            <a:r>
+              <a:rPr lang="en-ID" dirty="0" err="1"/>
+              <a:t>Terima</a:t>
+            </a:r>
+            <a:r>
+              <a:rPr lang="en-ID" dirty="0"/>
+              <a:t> Kasih</a:t>
+            </a:r>
+            <a:endParaRPr lang="id-ID" dirty="0"/>
+          </a:p>
+        </p:txBody>
+      </p:sp>
+      <p:sp>
+        <p:nvSpPr>
+          <p:cNvPr id="5" name="Text Placeholder 4">
+            <a:extLst>
+              <a:ext uri="{FF2B5EF4-FFF2-40B4-BE49-F238E27FC236}">
+                <a16:creationId xmlns="" xmlns:a16="http://schemas.microsoft.com/office/drawing/2014/main" id="{A205E161-B345-4BAD-8DBE-B56249C98D1D}"/>
+              </a:ext>
+            </a:extLst>
+          </p:cNvPr>
+          <p:cNvSpPr>
+            <a:spLocks noGrp="1"/>
+          </p:cNvSpPr>
+          <p:nvPr>
+            <p:ph type="body" idx="1"/>
+          </p:nvPr>
+        </p:nvSpPr>
+        <p:spPr/>
+        <p:txBody>
+          <a:bodyPr/>
+          <a:lstStyle/>
+          <a:p>
+            <a:endParaRPr lang="id-ID"/>
+          </a:p>
+        </p:txBody>
+      </p:sp>
+    </p:spTree>
+    <p:extLst>
+      <p:ext uri="{BB962C8B-B14F-4D97-AF65-F5344CB8AC3E}">
+        <p14:creationId xmlns:p14="http://schemas.microsoft.com/office/powerpoint/2010/main" val="4172295657"/>
+      </p:ext>
+    </p:extLst>
+  </p:cSld>
+  <p:clrMapOvr>
+    <a:masterClrMapping/>
+  </p:clrMapOvr>
+</p:sld>
+</file>
+
+<file path=ppt/slides/slide14.xml><?xml version="1.0" encoding="utf-8"?>
+<p:sld xmlns:a="http://schemas.openxmlformats.org/drawingml/2006/main" xmlns:r="http://schemas.openxmlformats.org/officeDocument/2006/relationships" xmlns:p="http://schemas.openxmlformats.org/presentationml/2006/main">
+  <p:cSld>
+    <p:spTree>
+      <p:nvGrpSpPr>
+        <p:cNvPr id="1" name=""/>
+        <p:cNvGrpSpPr/>
+        <p:nvPr/>
+      </p:nvGrpSpPr>
+      <p:grpSpPr>
+        <a:xfrm>
+          <a:off x="0" y="0"/>
+          <a:ext cx="0" cy="0"/>
+          <a:chOff x="0" y="0"/>
+          <a:chExt cx="0" cy="0"/>
+        </a:xfrm>
+      </p:grpSpPr>
+      <p:sp>
+        <p:nvSpPr>
+          <p:cNvPr id="4" name="Title 3">
+            <a:extLst>
+              <a:ext uri="{FF2B5EF4-FFF2-40B4-BE49-F238E27FC236}">
+                <a16:creationId xmlns="" xmlns:a16="http://schemas.microsoft.com/office/drawing/2014/main" id="{31EA2C10-95E7-49AC-B488-51F6D2A14F82}"/>
+              </a:ext>
+            </a:extLst>
+          </p:cNvPr>
+          <p:cNvSpPr>
+            <a:spLocks noGrp="1"/>
+          </p:cNvSpPr>
+          <p:nvPr>
+            <p:ph type="title"/>
+          </p:nvPr>
+        </p:nvSpPr>
+        <p:spPr>
+          <a:xfrm>
+            <a:off x="78154" y="-180975"/>
+            <a:ext cx="10515600" cy="1325563"/>
+          </a:xfrm>
+        </p:spPr>
+        <p:txBody>
+          <a:bodyPr/>
+          <a:lstStyle/>
+          <a:p>
+            <a:r>
+              <a:rPr lang="en-ID" dirty="0"/>
+              <a:t>Flowchart </a:t>
+            </a:r>
+            <a:r>
+              <a:rPr lang="en-ID" dirty="0" err="1"/>
+              <a:t>Fungsi</a:t>
+            </a:r>
+            <a:r>
+              <a:rPr lang="en-ID" dirty="0"/>
+              <a:t> main()</a:t>
+            </a:r>
+            <a:endParaRPr lang="id-ID" dirty="0"/>
+          </a:p>
+        </p:txBody>
+      </p:sp>
+      <p:pic>
+        <p:nvPicPr>
+          <p:cNvPr id="5" name="Picture 4">
+            <a:extLst>
+              <a:ext uri="{FF2B5EF4-FFF2-40B4-BE49-F238E27FC236}">
+                <a16:creationId xmlns="" xmlns:a16="http://schemas.microsoft.com/office/drawing/2014/main" id="{10AAC26A-F6BE-4B48-8798-B9667D502DB8}"/>
+              </a:ext>
+            </a:extLst>
+          </p:cNvPr>
+          <p:cNvPicPr>
+            <a:picLocks noChangeAspect="1"/>
+          </p:cNvPicPr>
+          <p:nvPr/>
+        </p:nvPicPr>
+        <p:blipFill>
+          <a:blip r:embed="rId2"/>
+          <a:stretch>
+            <a:fillRect/>
+          </a:stretch>
+        </p:blipFill>
+        <p:spPr>
+          <a:xfrm>
+            <a:off x="1493184" y="818711"/>
+            <a:ext cx="8484192" cy="5946691"/>
+          </a:xfrm>
+          <a:prstGeom prst="rect">
+            <a:avLst/>
+          </a:prstGeom>
+        </p:spPr>
+      </p:pic>
+    </p:spTree>
+    <p:extLst>
+      <p:ext uri="{BB962C8B-B14F-4D97-AF65-F5344CB8AC3E}">
+        <p14:creationId xmlns:p14="http://schemas.microsoft.com/office/powerpoint/2010/main" val="3706119516"/>
+      </p:ext>
+    </p:extLst>
+  </p:cSld>
+  <p:clrMapOvr>
+    <a:masterClrMapping/>
+  </p:clrMapOvr>
+  <mc:AlternateContent xmlns:mc="http://schemas.openxmlformats.org/markup-compatibility/2006">
+    <mc:Choice xmlns:p14="http://schemas.microsoft.com/office/powerpoint/2010/main" Requires="p14">
+      <p:transition spd="slow" p14:dur="2000"/>
+    </mc:Choice>
+    <mc:Fallback>
+      <p:transition spd="slow"/>
+    </mc:Fallback>
+  </mc:AlternateContent>
+</p:sld>
+</file>
+
+<file path=ppt/slides/slide15.xml><?xml version="1.0" encoding="utf-8"?>
+<p:sld xmlns:a="http://schemas.openxmlformats.org/drawingml/2006/main" xmlns:r="http://schemas.openxmlformats.org/officeDocument/2006/relationships" xmlns:p="http://schemas.openxmlformats.org/presentationml/2006/main">
   <p:cSld>
     <p:spTree>
       <p:nvGrpSpPr>
@@ -3540,7 +4015,7 @@
           <p:cNvPr id="3" name="Picture 2" descr="A close up of a map&#10;&#10;Description automatically generated">
             <a:extLst>
               <a:ext uri="{FF2B5EF4-FFF2-40B4-BE49-F238E27FC236}">
-                <a16:creationId xmlns:a16="http://schemas.microsoft.com/office/drawing/2014/main" id="{F51D7E4A-82B9-4217-91E9-C709F3C53F0D}"/>
+                <a16:creationId xmlns="" xmlns:a16="http://schemas.microsoft.com/office/drawing/2014/main" id="{F51D7E4A-82B9-4217-91E9-C709F3C53F0D}"/>
               </a:ext>
             </a:extLst>
           </p:cNvPr>
@@ -3576,7 +4051,7 @@
           <p:cNvPr id="8" name="Picture 7" descr="A close up of a map&#10;&#10;Description automatically generated">
             <a:extLst>
               <a:ext uri="{FF2B5EF4-FFF2-40B4-BE49-F238E27FC236}">
-                <a16:creationId xmlns:a16="http://schemas.microsoft.com/office/drawing/2014/main" id="{050EFB66-9B06-4971-BA4C-DB553259B2C7}"/>
+                <a16:creationId xmlns="" xmlns:a16="http://schemas.microsoft.com/office/drawing/2014/main" id="{050EFB66-9B06-4971-BA4C-DB553259B2C7}"/>
               </a:ext>
             </a:extLst>
           </p:cNvPr>
@@ -3612,7 +4087,7 @@
           <p:cNvPr id="4" name="Title 3">
             <a:extLst>
               <a:ext uri="{FF2B5EF4-FFF2-40B4-BE49-F238E27FC236}">
-                <a16:creationId xmlns:a16="http://schemas.microsoft.com/office/drawing/2014/main" id="{31EA2C10-95E7-49AC-B488-51F6D2A14F82}"/>
+                <a16:creationId xmlns="" xmlns:a16="http://schemas.microsoft.com/office/drawing/2014/main" id="{31EA2C10-95E7-49AC-B488-51F6D2A14F82}"/>
               </a:ext>
             </a:extLst>
           </p:cNvPr>
@@ -3664,11 +4139,19 @@
   <p:clrMapOvr>
     <a:masterClrMapping/>
   </p:clrMapOvr>
+  <mc:AlternateContent xmlns:mc="http://schemas.openxmlformats.org/markup-compatibility/2006">
+    <mc:Choice xmlns:p14="http://schemas.microsoft.com/office/powerpoint/2010/main" Requires="p14">
+      <p:transition spd="slow" p14:dur="2000"/>
+    </mc:Choice>
+    <mc:Fallback>
+      <p:transition spd="slow"/>
+    </mc:Fallback>
+  </mc:AlternateContent>
 </p:sld>
 </file>
 
-<file path=ppt/slides/slide11.xml><?xml version="1.0" encoding="utf-8"?>
-<p:sld xmlns:a="http://schemas.openxmlformats.org/drawingml/2006/main" xmlns:r="http://schemas.openxmlformats.org/officeDocument/2006/relationships" xmlns:p="http://schemas.openxmlformats.org/presentationml/2006/main" show="0">
+<file path=ppt/slides/slide16.xml><?xml version="1.0" encoding="utf-8"?>
+<p:sld xmlns:a="http://schemas.openxmlformats.org/drawingml/2006/main" xmlns:r="http://schemas.openxmlformats.org/officeDocument/2006/relationships" xmlns:p="http://schemas.openxmlformats.org/presentationml/2006/main">
   <p:cSld>
     <p:spTree>
       <p:nvGrpSpPr>
@@ -3689,7 +4172,7 @@
           <p:cNvPr id="2" name="Picture 1" descr="A close up of a map&#10;&#10;Description automatically generated">
             <a:extLst>
               <a:ext uri="{FF2B5EF4-FFF2-40B4-BE49-F238E27FC236}">
-                <a16:creationId xmlns:a16="http://schemas.microsoft.com/office/drawing/2014/main" id="{2C30107B-0625-4850-97E6-C25527BEA745}"/>
+                <a16:creationId xmlns="" xmlns:a16="http://schemas.microsoft.com/office/drawing/2014/main" id="{2C30107B-0625-4850-97E6-C25527BEA745}"/>
               </a:ext>
             </a:extLst>
           </p:cNvPr>
@@ -3730,11 +4213,19 @@
   <p:clrMapOvr>
     <a:masterClrMapping/>
   </p:clrMapOvr>
+  <mc:AlternateContent xmlns:mc="http://schemas.openxmlformats.org/markup-compatibility/2006">
+    <mc:Choice xmlns:p14="http://schemas.microsoft.com/office/powerpoint/2010/main" Requires="p14">
+      <p:transition spd="slow" p14:dur="2000"/>
+    </mc:Choice>
+    <mc:Fallback>
+      <p:transition spd="slow"/>
+    </mc:Fallback>
+  </mc:AlternateContent>
 </p:sld>
 </file>
 
-<file path=ppt/slides/slide12.xml><?xml version="1.0" encoding="utf-8"?>
-<p:sld xmlns:a="http://schemas.openxmlformats.org/drawingml/2006/main" xmlns:r="http://schemas.openxmlformats.org/officeDocument/2006/relationships" xmlns:p="http://schemas.openxmlformats.org/presentationml/2006/main" show="0">
+<file path=ppt/slides/slide17.xml><?xml version="1.0" encoding="utf-8"?>
+<p:sld xmlns:a="http://schemas.openxmlformats.org/drawingml/2006/main" xmlns:r="http://schemas.openxmlformats.org/officeDocument/2006/relationships" xmlns:p="http://schemas.openxmlformats.org/presentationml/2006/main">
   <p:cSld>
     <p:spTree>
       <p:nvGrpSpPr>
@@ -3755,7 +4246,7 @@
           <p:cNvPr id="2" name="Title 3">
             <a:extLst>
               <a:ext uri="{FF2B5EF4-FFF2-40B4-BE49-F238E27FC236}">
-                <a16:creationId xmlns:a16="http://schemas.microsoft.com/office/drawing/2014/main" id="{04E26333-F205-4FB8-A810-5676178FFD85}"/>
+                <a16:creationId xmlns="" xmlns:a16="http://schemas.microsoft.com/office/drawing/2014/main" id="{04E26333-F205-4FB8-A810-5676178FFD85}"/>
               </a:ext>
             </a:extLst>
           </p:cNvPr>
@@ -3824,7 +4315,7 @@
           <p:cNvPr id="4" name="Picture 3" descr="A screenshot of a map&#10;&#10;Description automatically generated">
             <a:extLst>
               <a:ext uri="{FF2B5EF4-FFF2-40B4-BE49-F238E27FC236}">
-                <a16:creationId xmlns:a16="http://schemas.microsoft.com/office/drawing/2014/main" id="{B5BBBFB8-4816-4A7F-8813-3D5E6F78014A}"/>
+                <a16:creationId xmlns="" xmlns:a16="http://schemas.microsoft.com/office/drawing/2014/main" id="{B5BBBFB8-4816-4A7F-8813-3D5E6F78014A}"/>
               </a:ext>
             </a:extLst>
           </p:cNvPr>
@@ -3860,7 +4351,7 @@
           <p:cNvPr id="6" name="Picture 5" descr="A screenshot of a video game&#10;&#10;Description automatically generated">
             <a:extLst>
               <a:ext uri="{FF2B5EF4-FFF2-40B4-BE49-F238E27FC236}">
-                <a16:creationId xmlns:a16="http://schemas.microsoft.com/office/drawing/2014/main" id="{7349CD5B-8908-4F15-A187-AC124A2E807B}"/>
+                <a16:creationId xmlns="" xmlns:a16="http://schemas.microsoft.com/office/drawing/2014/main" id="{7349CD5B-8908-4F15-A187-AC124A2E807B}"/>
               </a:ext>
             </a:extLst>
           </p:cNvPr>
@@ -3896,7 +4387,7 @@
           <p:cNvPr id="8" name="Picture 7" descr="A screenshot of a video game&#10;&#10;Description automatically generated">
             <a:extLst>
               <a:ext uri="{FF2B5EF4-FFF2-40B4-BE49-F238E27FC236}">
-                <a16:creationId xmlns:a16="http://schemas.microsoft.com/office/drawing/2014/main" id="{5A24D415-6963-43F8-98EA-40AD22D0FEDA}"/>
+                <a16:creationId xmlns="" xmlns:a16="http://schemas.microsoft.com/office/drawing/2014/main" id="{5A24D415-6963-43F8-98EA-40AD22D0FEDA}"/>
               </a:ext>
             </a:extLst>
           </p:cNvPr>
@@ -3937,11 +4428,19 @@
   <p:clrMapOvr>
     <a:masterClrMapping/>
   </p:clrMapOvr>
+  <mc:AlternateContent xmlns:mc="http://schemas.openxmlformats.org/markup-compatibility/2006">
+    <mc:Choice xmlns:p14="http://schemas.microsoft.com/office/powerpoint/2010/main" Requires="p14">
+      <p:transition spd="slow" p14:dur="2000"/>
+    </mc:Choice>
+    <mc:Fallback>
+      <p:transition spd="slow"/>
+    </mc:Fallback>
+  </mc:AlternateContent>
 </p:sld>
 </file>
 
-<file path=ppt/slides/slide13.xml><?xml version="1.0" encoding="utf-8"?>
-<p:sld xmlns:a="http://schemas.openxmlformats.org/drawingml/2006/main" xmlns:r="http://schemas.openxmlformats.org/officeDocument/2006/relationships" xmlns:p="http://schemas.openxmlformats.org/presentationml/2006/main" show="0">
+<file path=ppt/slides/slide18.xml><?xml version="1.0" encoding="utf-8"?>
+<p:sld xmlns:a="http://schemas.openxmlformats.org/drawingml/2006/main" xmlns:r="http://schemas.openxmlformats.org/officeDocument/2006/relationships" xmlns:p="http://schemas.openxmlformats.org/presentationml/2006/main">
   <p:cSld>
     <p:spTree>
       <p:nvGrpSpPr>
@@ -3962,7 +4461,7 @@
           <p:cNvPr id="3" name="Picture 2">
             <a:extLst>
               <a:ext uri="{FF2B5EF4-FFF2-40B4-BE49-F238E27FC236}">
-                <a16:creationId xmlns:a16="http://schemas.microsoft.com/office/drawing/2014/main" id="{A175C521-52DA-4BC4-8297-2B026781C5B7}"/>
+                <a16:creationId xmlns="" xmlns:a16="http://schemas.microsoft.com/office/drawing/2014/main" id="{A175C521-52DA-4BC4-8297-2B026781C5B7}"/>
               </a:ext>
             </a:extLst>
           </p:cNvPr>
@@ -3992,7 +4491,7 @@
           <p:cNvPr id="2" name="Title 3">
             <a:extLst>
               <a:ext uri="{FF2B5EF4-FFF2-40B4-BE49-F238E27FC236}">
-                <a16:creationId xmlns:a16="http://schemas.microsoft.com/office/drawing/2014/main" id="{A239FB69-3B04-4ABE-BEFC-FC4EA0294A75}"/>
+                <a16:creationId xmlns="" xmlns:a16="http://schemas.microsoft.com/office/drawing/2014/main" id="{A239FB69-3B04-4ABE-BEFC-FC4EA0294A75}"/>
               </a:ext>
             </a:extLst>
           </p:cNvPr>
@@ -4066,11 +4565,19 @@
   <p:clrMapOvr>
     <a:masterClrMapping/>
   </p:clrMapOvr>
+  <mc:AlternateContent xmlns:mc="http://schemas.openxmlformats.org/markup-compatibility/2006">
+    <mc:Choice xmlns:p14="http://schemas.microsoft.com/office/powerpoint/2010/main" Requires="p14">
+      <p:transition spd="slow" p14:dur="2000"/>
+    </mc:Choice>
+    <mc:Fallback>
+      <p:transition spd="slow"/>
+    </mc:Fallback>
+  </mc:AlternateContent>
 </p:sld>
 </file>
 
-<file path=ppt/slides/slide14.xml><?xml version="1.0" encoding="utf-8"?>
-<p:sld xmlns:a="http://schemas.openxmlformats.org/drawingml/2006/main" xmlns:r="http://schemas.openxmlformats.org/officeDocument/2006/relationships" xmlns:p="http://schemas.openxmlformats.org/presentationml/2006/main" show="0">
+<file path=ppt/slides/slide19.xml><?xml version="1.0" encoding="utf-8"?>
+<p:sld xmlns:a="http://schemas.openxmlformats.org/drawingml/2006/main" xmlns:r="http://schemas.openxmlformats.org/officeDocument/2006/relationships" xmlns:p="http://schemas.openxmlformats.org/presentationml/2006/main">
   <p:cSld>
     <p:spTree>
       <p:nvGrpSpPr>
@@ -4091,7 +4598,7 @@
           <p:cNvPr id="2" name="Title 3">
             <a:extLst>
               <a:ext uri="{FF2B5EF4-FFF2-40B4-BE49-F238E27FC236}">
-                <a16:creationId xmlns:a16="http://schemas.microsoft.com/office/drawing/2014/main" id="{9F46315B-2799-4D1E-8161-D6BA158CBC0D}"/>
+                <a16:creationId xmlns="" xmlns:a16="http://schemas.microsoft.com/office/drawing/2014/main" id="{9F46315B-2799-4D1E-8161-D6BA158CBC0D}"/>
               </a:ext>
             </a:extLst>
           </p:cNvPr>
@@ -4160,7 +4667,7 @@
           <p:cNvPr id="2050" name="Picture 2" descr="https://lh3.googleusercontent.com/OieoDu8ibwrXZ-BoAU-cqOppzuyWvCyj84fGqriK-VVEAZco9YiiEtBwUlkmxlwyBXi7k-LYlGiWEwgGjn8fcRFwuzF6Rvaw-Z7yK9IbhCGx81KmvwDKpOnU31DGon5BMfLApJMU">
             <a:extLst>
               <a:ext uri="{FF2B5EF4-FFF2-40B4-BE49-F238E27FC236}">
-                <a16:creationId xmlns:a16="http://schemas.microsoft.com/office/drawing/2014/main" id="{2517616E-0B5A-4FBC-B768-92618C2F37F5}"/>
+                <a16:creationId xmlns="" xmlns:a16="http://schemas.microsoft.com/office/drawing/2014/main" id="{2517616E-0B5A-4FBC-B768-92618C2F37F5}"/>
               </a:ext>
             </a:extLst>
           </p:cNvPr>
@@ -4212,11 +4719,123 @@
   <p:clrMapOvr>
     <a:masterClrMapping/>
   </p:clrMapOvr>
+  <mc:AlternateContent xmlns:mc="http://schemas.openxmlformats.org/markup-compatibility/2006">
+    <mc:Choice xmlns:p14="http://schemas.microsoft.com/office/powerpoint/2010/main" Requires="p14">
+      <p:transition spd="slow" p14:dur="2000"/>
+    </mc:Choice>
+    <mc:Fallback>
+      <p:transition spd="slow"/>
+    </mc:Fallback>
+  </mc:AlternateContent>
 </p:sld>
 </file>
 
-<file path=ppt/slides/slide15.xml><?xml version="1.0" encoding="utf-8"?>
-<p:sld xmlns:a="http://schemas.openxmlformats.org/drawingml/2006/main" xmlns:r="http://schemas.openxmlformats.org/officeDocument/2006/relationships" xmlns:p="http://schemas.openxmlformats.org/presentationml/2006/main" show="0">
+<file path=ppt/slides/slide2.xml><?xml version="1.0" encoding="utf-8"?>
+<p:sld xmlns:a="http://schemas.openxmlformats.org/drawingml/2006/main" xmlns:r="http://schemas.openxmlformats.org/officeDocument/2006/relationships" xmlns:p="http://schemas.openxmlformats.org/presentationml/2006/main">
+  <p:cSld>
+    <p:spTree>
+      <p:nvGrpSpPr>
+        <p:cNvPr id="1" name=""/>
+        <p:cNvGrpSpPr/>
+        <p:nvPr/>
+      </p:nvGrpSpPr>
+      <p:grpSpPr>
+        <a:xfrm>
+          <a:off x="0" y="0"/>
+          <a:ext cx="0" cy="0"/>
+          <a:chOff x="0" y="0"/>
+          <a:chExt cx="0" cy="0"/>
+        </a:xfrm>
+      </p:grpSpPr>
+      <p:sp>
+        <p:nvSpPr>
+          <p:cNvPr id="2" name="Title 1">
+            <a:extLst>
+              <a:ext uri="{FF2B5EF4-FFF2-40B4-BE49-F238E27FC236}">
+                <a16:creationId xmlns="" xmlns:a16="http://schemas.microsoft.com/office/drawing/2014/main" id="{A71E804D-5C31-497D-B369-2CD54A239739}"/>
+              </a:ext>
+            </a:extLst>
+          </p:cNvPr>
+          <p:cNvSpPr>
+            <a:spLocks noGrp="1"/>
+          </p:cNvSpPr>
+          <p:nvPr>
+            <p:ph type="title"/>
+          </p:nvPr>
+        </p:nvSpPr>
+        <p:spPr>
+          <a:xfrm>
+            <a:off x="838200" y="365125"/>
+            <a:ext cx="10515600" cy="1325563"/>
+          </a:xfrm>
+        </p:spPr>
+        <p:txBody>
+          <a:bodyPr/>
+          <a:lstStyle/>
+          <a:p>
+            <a:r>
+              <a:rPr lang="en-ID" dirty="0"/>
+              <a:t>Diagram </a:t>
+            </a:r>
+            <a:r>
+              <a:rPr lang="en-ID" dirty="0" err="1"/>
+              <a:t>Fungsionalitas</a:t>
+            </a:r>
+            <a:endParaRPr lang="id-ID" dirty="0"/>
+          </a:p>
+        </p:txBody>
+      </p:sp>
+      <p:pic>
+        <p:nvPicPr>
+          <p:cNvPr id="9" name="Picture 8" descr="A screenshot of a social media post&#10;&#10;Description automatically generated">
+            <a:extLst>
+              <a:ext uri="{FF2B5EF4-FFF2-40B4-BE49-F238E27FC236}">
+                <a16:creationId xmlns="" xmlns:a16="http://schemas.microsoft.com/office/drawing/2014/main" id="{50200B3D-D0EB-4D30-87BE-372113E2143B}"/>
+              </a:ext>
+            </a:extLst>
+          </p:cNvPr>
+          <p:cNvPicPr>
+            <a:picLocks noChangeAspect="1"/>
+          </p:cNvPicPr>
+          <p:nvPr/>
+        </p:nvPicPr>
+        <p:blipFill>
+          <a:blip r:embed="rId2">
+            <a:extLst>
+              <a:ext uri="{28A0092B-C50C-407E-A947-70E740481C1C}">
+                <a14:useLocalDpi xmlns:a14="http://schemas.microsoft.com/office/drawing/2010/main" val="0"/>
+              </a:ext>
+            </a:extLst>
+          </a:blip>
+          <a:stretch>
+            <a:fillRect/>
+          </a:stretch>
+        </p:blipFill>
+        <p:spPr>
+          <a:xfrm>
+            <a:off x="1753824" y="1547391"/>
+            <a:ext cx="8684352" cy="3763219"/>
+          </a:xfrm>
+          <a:prstGeom prst="rect">
+            <a:avLst/>
+          </a:prstGeom>
+        </p:spPr>
+      </p:pic>
+    </p:spTree>
+    <p:extLst>
+      <p:ext uri="{BB962C8B-B14F-4D97-AF65-F5344CB8AC3E}">
+        <p14:creationId xmlns:p14="http://schemas.microsoft.com/office/powerpoint/2010/main" val="1779569140"/>
+      </p:ext>
+    </p:extLst>
+  </p:cSld>
+  <p:clrMapOvr>
+    <a:masterClrMapping/>
+  </p:clrMapOvr>
+</p:sld>
+</file>
+
+<file path=ppt/slides/slide20.xml><?xml version="1.0" encoding="utf-8"?>
+<p:sld xmlns:a="http://schemas.openxmlformats.org/drawingml/2006/main" xmlns:r="http://schemas.openxmlformats.org/officeDocument/2006/relationships" xmlns:p="http://schemas.openxmlformats.org/presentationml/2006/main">
   <p:cSld>
     <p:spTree>
       <p:nvGrpSpPr>
@@ -4237,7 +4856,7 @@
           <p:cNvPr id="3074" name="Picture 2" descr="https://lh6.googleusercontent.com/UX8BGhdFKuJ6nvaVdeFQAaV59VZsGnPxwMML5zN1x5eASzPXY0hnqewmcRcOYg3D_jenMliApDJtG24oCEA3703lzahqwkGpZE09qZ1MRL_v3TDB1JB6dNp3rtM75le9AON2DidC">
             <a:extLst>
               <a:ext uri="{FF2B5EF4-FFF2-40B4-BE49-F238E27FC236}">
-                <a16:creationId xmlns:a16="http://schemas.microsoft.com/office/drawing/2014/main" id="{A976D33B-F0B4-4F7A-B71D-9A126EA065CD}"/>
+                <a16:creationId xmlns="" xmlns:a16="http://schemas.microsoft.com/office/drawing/2014/main" id="{A976D33B-F0B4-4F7A-B71D-9A126EA065CD}"/>
               </a:ext>
             </a:extLst>
           </p:cNvPr>
@@ -4284,7 +4903,7 @@
           <p:cNvPr id="3" name="Title 3">
             <a:extLst>
               <a:ext uri="{FF2B5EF4-FFF2-40B4-BE49-F238E27FC236}">
-                <a16:creationId xmlns:a16="http://schemas.microsoft.com/office/drawing/2014/main" id="{E0536E88-2887-4E5F-B811-307BF3EB8299}"/>
+                <a16:creationId xmlns="" xmlns:a16="http://schemas.microsoft.com/office/drawing/2014/main" id="{E0536E88-2887-4E5F-B811-307BF3EB8299}"/>
               </a:ext>
             </a:extLst>
           </p:cNvPr>
@@ -4358,11 +4977,19 @@
   <p:clrMapOvr>
     <a:masterClrMapping/>
   </p:clrMapOvr>
+  <mc:AlternateContent xmlns:mc="http://schemas.openxmlformats.org/markup-compatibility/2006">
+    <mc:Choice xmlns:p14="http://schemas.microsoft.com/office/powerpoint/2010/main" Requires="p14">
+      <p:transition spd="slow" p14:dur="2000"/>
+    </mc:Choice>
+    <mc:Fallback>
+      <p:transition spd="slow"/>
+    </mc:Fallback>
+  </mc:AlternateContent>
 </p:sld>
 </file>
 
-<file path=ppt/slides/slide16.xml><?xml version="1.0" encoding="utf-8"?>
-<p:sld xmlns:a="http://schemas.openxmlformats.org/drawingml/2006/main" xmlns:r="http://schemas.openxmlformats.org/officeDocument/2006/relationships" xmlns:p="http://schemas.openxmlformats.org/presentationml/2006/main" show="0">
+<file path=ppt/slides/slide21.xml><?xml version="1.0" encoding="utf-8"?>
+<p:sld xmlns:a="http://schemas.openxmlformats.org/drawingml/2006/main" xmlns:r="http://schemas.openxmlformats.org/officeDocument/2006/relationships" xmlns:p="http://schemas.openxmlformats.org/presentationml/2006/main">
   <p:cSld>
     <p:spTree>
       <p:nvGrpSpPr>
@@ -4383,7 +5010,7 @@
           <p:cNvPr id="4098" name="Picture 2" descr="https://lh4.googleusercontent.com/gnXkAg1edje7nLtUdsHz6BVAc7FKtuTrmtqCT-WPeEBRExX-MqOGLdYH1y0VEaUKRvSf9oeaS_8807XS9Lc6wVSZVIqfzjoAfkhNkLkwkePuZ2UnjgvYvPGSGKHvRk4juDbj0zoq">
             <a:extLst>
               <a:ext uri="{FF2B5EF4-FFF2-40B4-BE49-F238E27FC236}">
-                <a16:creationId xmlns:a16="http://schemas.microsoft.com/office/drawing/2014/main" id="{C7920810-57D8-4FA1-83C0-4391893764A5}"/>
+                <a16:creationId xmlns="" xmlns:a16="http://schemas.microsoft.com/office/drawing/2014/main" id="{C7920810-57D8-4FA1-83C0-4391893764A5}"/>
               </a:ext>
             </a:extLst>
           </p:cNvPr>
@@ -4430,7 +5057,7 @@
           <p:cNvPr id="3" name="Title 3">
             <a:extLst>
               <a:ext uri="{FF2B5EF4-FFF2-40B4-BE49-F238E27FC236}">
-                <a16:creationId xmlns:a16="http://schemas.microsoft.com/office/drawing/2014/main" id="{3A34F271-B6FA-4839-A6D1-82AA36166EC8}"/>
+                <a16:creationId xmlns="" xmlns:a16="http://schemas.microsoft.com/office/drawing/2014/main" id="{3A34F271-B6FA-4839-A6D1-82AA36166EC8}"/>
               </a:ext>
             </a:extLst>
           </p:cNvPr>
@@ -4504,11 +5131,19 @@
   <p:clrMapOvr>
     <a:masterClrMapping/>
   </p:clrMapOvr>
+  <mc:AlternateContent xmlns:mc="http://schemas.openxmlformats.org/markup-compatibility/2006">
+    <mc:Choice xmlns:p14="http://schemas.microsoft.com/office/powerpoint/2010/main" Requires="p14">
+      <p:transition spd="slow" p14:dur="2000"/>
+    </mc:Choice>
+    <mc:Fallback>
+      <p:transition spd="slow"/>
+    </mc:Fallback>
+  </mc:AlternateContent>
 </p:sld>
 </file>
 
-<file path=ppt/slides/slide17.xml><?xml version="1.0" encoding="utf-8"?>
-<p:sld xmlns:a="http://schemas.openxmlformats.org/drawingml/2006/main" xmlns:r="http://schemas.openxmlformats.org/officeDocument/2006/relationships" xmlns:p="http://schemas.openxmlformats.org/presentationml/2006/main" show="0">
+<file path=ppt/slides/slide22.xml><?xml version="1.0" encoding="utf-8"?>
+<p:sld xmlns:a="http://schemas.openxmlformats.org/drawingml/2006/main" xmlns:r="http://schemas.openxmlformats.org/officeDocument/2006/relationships" xmlns:p="http://schemas.openxmlformats.org/presentationml/2006/main">
   <p:cSld>
     <p:spTree>
       <p:nvGrpSpPr>
@@ -4529,7 +5164,7 @@
           <p:cNvPr id="3" name="Picture 2" descr="A picture containing text, map&#10;&#10;Description automatically generated">
             <a:extLst>
               <a:ext uri="{FF2B5EF4-FFF2-40B4-BE49-F238E27FC236}">
-                <a16:creationId xmlns:a16="http://schemas.microsoft.com/office/drawing/2014/main" id="{76197BBA-5871-43B6-9184-60BA7B9AD593}"/>
+                <a16:creationId xmlns="" xmlns:a16="http://schemas.microsoft.com/office/drawing/2014/main" id="{76197BBA-5871-43B6-9184-60BA7B9AD593}"/>
               </a:ext>
             </a:extLst>
           </p:cNvPr>
@@ -4565,7 +5200,7 @@
           <p:cNvPr id="5" name="Title 3">
             <a:extLst>
               <a:ext uri="{FF2B5EF4-FFF2-40B4-BE49-F238E27FC236}">
-                <a16:creationId xmlns:a16="http://schemas.microsoft.com/office/drawing/2014/main" id="{C6CABA8E-EDFB-4592-81A0-8EEEB2849CB4}"/>
+                <a16:creationId xmlns="" xmlns:a16="http://schemas.microsoft.com/office/drawing/2014/main" id="{C6CABA8E-EDFB-4592-81A0-8EEEB2849CB4}"/>
               </a:ext>
             </a:extLst>
           </p:cNvPr>
@@ -4639,11 +5274,19 @@
   <p:clrMapOvr>
     <a:masterClrMapping/>
   </p:clrMapOvr>
+  <mc:AlternateContent xmlns:mc="http://schemas.openxmlformats.org/markup-compatibility/2006">
+    <mc:Choice xmlns:p14="http://schemas.microsoft.com/office/powerpoint/2010/main" Requires="p14">
+      <p:transition spd="slow" p14:dur="2000"/>
+    </mc:Choice>
+    <mc:Fallback>
+      <p:transition spd="slow"/>
+    </mc:Fallback>
+  </mc:AlternateContent>
 </p:sld>
 </file>
 
-<file path=ppt/slides/slide18.xml><?xml version="1.0" encoding="utf-8"?>
-<p:sld xmlns:a="http://schemas.openxmlformats.org/drawingml/2006/main" xmlns:r="http://schemas.openxmlformats.org/officeDocument/2006/relationships" xmlns:p="http://schemas.openxmlformats.org/presentationml/2006/main" show="0">
+<file path=ppt/slides/slide23.xml><?xml version="1.0" encoding="utf-8"?>
+<p:sld xmlns:a="http://schemas.openxmlformats.org/drawingml/2006/main" xmlns:r="http://schemas.openxmlformats.org/officeDocument/2006/relationships" xmlns:p="http://schemas.openxmlformats.org/presentationml/2006/main">
   <p:cSld>
     <p:spTree>
       <p:nvGrpSpPr>
@@ -4664,7 +5307,7 @@
           <p:cNvPr id="5" name="Picture 4" descr="A picture containing text, map&#10;&#10;Description automatically generated">
             <a:extLst>
               <a:ext uri="{FF2B5EF4-FFF2-40B4-BE49-F238E27FC236}">
-                <a16:creationId xmlns:a16="http://schemas.microsoft.com/office/drawing/2014/main" id="{17EAAF7B-EDCE-44A6-8262-AA18E892F3E6}"/>
+                <a16:creationId xmlns="" xmlns:a16="http://schemas.microsoft.com/office/drawing/2014/main" id="{17EAAF7B-EDCE-44A6-8262-AA18E892F3E6}"/>
               </a:ext>
             </a:extLst>
           </p:cNvPr>
@@ -4700,7 +5343,7 @@
           <p:cNvPr id="3" name="Picture 2" descr="A close up of a map&#10;&#10;Description automatically generated">
             <a:extLst>
               <a:ext uri="{FF2B5EF4-FFF2-40B4-BE49-F238E27FC236}">
-                <a16:creationId xmlns:a16="http://schemas.microsoft.com/office/drawing/2014/main" id="{542BF65B-AC4A-460C-88E8-97F2CACE3904}"/>
+                <a16:creationId xmlns="" xmlns:a16="http://schemas.microsoft.com/office/drawing/2014/main" id="{542BF65B-AC4A-460C-88E8-97F2CACE3904}"/>
               </a:ext>
             </a:extLst>
           </p:cNvPr>
@@ -4741,11 +5384,19 @@
   <p:clrMapOvr>
     <a:masterClrMapping/>
   </p:clrMapOvr>
+  <mc:AlternateContent xmlns:mc="http://schemas.openxmlformats.org/markup-compatibility/2006">
+    <mc:Choice xmlns:p14="http://schemas.microsoft.com/office/powerpoint/2010/main" Requires="p14">
+      <p:transition spd="slow" p14:dur="2000"/>
+    </mc:Choice>
+    <mc:Fallback>
+      <p:transition spd="slow"/>
+    </mc:Fallback>
+  </mc:AlternateContent>
 </p:sld>
 </file>
 
-<file path=ppt/slides/slide19.xml><?xml version="1.0" encoding="utf-8"?>
-<p:sld xmlns:a="http://schemas.openxmlformats.org/drawingml/2006/main" xmlns:r="http://schemas.openxmlformats.org/officeDocument/2006/relationships" xmlns:p="http://schemas.openxmlformats.org/presentationml/2006/main" show="0">
+<file path=ppt/slides/slide24.xml><?xml version="1.0" encoding="utf-8"?>
+<p:sld xmlns:a="http://schemas.openxmlformats.org/drawingml/2006/main" xmlns:r="http://schemas.openxmlformats.org/officeDocument/2006/relationships" xmlns:p="http://schemas.openxmlformats.org/presentationml/2006/main">
   <p:cSld>
     <p:spTree>
       <p:nvGrpSpPr>
@@ -4766,7 +5417,7 @@
           <p:cNvPr id="6146" name="Picture 2" descr="https://lh3.googleusercontent.com/iw7JLuEGeRBgoTHgk4GY_I6wxVFuPfFjBWelxBlkbnqIMOVYjUXmeQkY1mrza76RXlM4fTkPEwAfNUApQRfMwcIWDiwu801G9ClPuUP5g2YL4oWxUJrPnw4lIVQ70CLCM1UZ8piu">
             <a:extLst>
               <a:ext uri="{FF2B5EF4-FFF2-40B4-BE49-F238E27FC236}">
-                <a16:creationId xmlns:a16="http://schemas.microsoft.com/office/drawing/2014/main" id="{A94A81C8-9D13-45B9-AE82-3D7E541E1962}"/>
+                <a16:creationId xmlns="" xmlns:a16="http://schemas.microsoft.com/office/drawing/2014/main" id="{A94A81C8-9D13-45B9-AE82-3D7E541E1962}"/>
               </a:ext>
             </a:extLst>
           </p:cNvPr>
@@ -4813,7 +5464,7 @@
           <p:cNvPr id="2" name="Title 3">
             <a:extLst>
               <a:ext uri="{FF2B5EF4-FFF2-40B4-BE49-F238E27FC236}">
-                <a16:creationId xmlns:a16="http://schemas.microsoft.com/office/drawing/2014/main" id="{208EF0EE-BFA7-4C09-AE22-99A149CCD800}"/>
+                <a16:creationId xmlns="" xmlns:a16="http://schemas.microsoft.com/office/drawing/2014/main" id="{208EF0EE-BFA7-4C09-AE22-99A149CCD800}"/>
               </a:ext>
             </a:extLst>
           </p:cNvPr>
@@ -4887,10 +5538,18 @@
   <p:clrMapOvr>
     <a:masterClrMapping/>
   </p:clrMapOvr>
+  <mc:AlternateContent xmlns:mc="http://schemas.openxmlformats.org/markup-compatibility/2006">
+    <mc:Choice xmlns:p14="http://schemas.microsoft.com/office/powerpoint/2010/main" Requires="p14">
+      <p:transition spd="slow" p14:dur="2000"/>
+    </mc:Choice>
+    <mc:Fallback>
+      <p:transition spd="slow"/>
+    </mc:Fallback>
+  </mc:AlternateContent>
 </p:sld>
 </file>
 
-<file path=ppt/slides/slide2.xml><?xml version="1.0" encoding="utf-8"?>
+<file path=ppt/slides/slide25.xml><?xml version="1.0" encoding="utf-8"?>
 <p:sld xmlns:a="http://schemas.openxmlformats.org/drawingml/2006/main" xmlns:r="http://schemas.openxmlformats.org/officeDocument/2006/relationships" xmlns:p="http://schemas.openxmlformats.org/presentationml/2006/main">
   <p:cSld>
     <p:spTree>
@@ -4909,114 +5568,10 @@
       </p:grpSpPr>
       <p:sp>
         <p:nvSpPr>
-          <p:cNvPr id="2" name="Title 1">
+          <p:cNvPr id="2" name="Title 3">
             <a:extLst>
               <a:ext uri="{FF2B5EF4-FFF2-40B4-BE49-F238E27FC236}">
-                <a16:creationId xmlns:a16="http://schemas.microsoft.com/office/drawing/2014/main" id="{A71E804D-5C31-497D-B369-2CD54A239739}"/>
-              </a:ext>
-            </a:extLst>
-          </p:cNvPr>
-          <p:cNvSpPr>
-            <a:spLocks noGrp="1"/>
-          </p:cNvSpPr>
-          <p:nvPr>
-            <p:ph type="title"/>
-          </p:nvPr>
-        </p:nvSpPr>
-        <p:spPr>
-          <a:xfrm>
-            <a:off x="838200" y="365125"/>
-            <a:ext cx="10515600" cy="1325563"/>
-          </a:xfrm>
-        </p:spPr>
-        <p:txBody>
-          <a:bodyPr/>
-          <a:lstStyle/>
-          <a:p>
-            <a:r>
-              <a:rPr lang="en-ID" dirty="0"/>
-              <a:t>Diagram </a:t>
-            </a:r>
-            <a:r>
-              <a:rPr lang="en-ID" dirty="0" err="1"/>
-              <a:t>Fungsionalitas</a:t>
-            </a:r>
-            <a:endParaRPr lang="id-ID" dirty="0"/>
-          </a:p>
-        </p:txBody>
-      </p:sp>
-      <p:pic>
-        <p:nvPicPr>
-          <p:cNvPr id="9" name="Picture 8" descr="A screenshot of a social media post&#10;&#10;Description automatically generated">
-            <a:extLst>
-              <a:ext uri="{FF2B5EF4-FFF2-40B4-BE49-F238E27FC236}">
-                <a16:creationId xmlns:a16="http://schemas.microsoft.com/office/drawing/2014/main" id="{50200B3D-D0EB-4D30-87BE-372113E2143B}"/>
-              </a:ext>
-            </a:extLst>
-          </p:cNvPr>
-          <p:cNvPicPr>
-            <a:picLocks noChangeAspect="1"/>
-          </p:cNvPicPr>
-          <p:nvPr/>
-        </p:nvPicPr>
-        <p:blipFill>
-          <a:blip r:embed="rId2">
-            <a:extLst>
-              <a:ext uri="{28A0092B-C50C-407E-A947-70E740481C1C}">
-                <a14:useLocalDpi xmlns:a14="http://schemas.microsoft.com/office/drawing/2010/main" val="0"/>
-              </a:ext>
-            </a:extLst>
-          </a:blip>
-          <a:stretch>
-            <a:fillRect/>
-          </a:stretch>
-        </p:blipFill>
-        <p:spPr>
-          <a:xfrm>
-            <a:off x="1753824" y="1547391"/>
-            <a:ext cx="8684352" cy="3763219"/>
-          </a:xfrm>
-          <a:prstGeom prst="rect">
-            <a:avLst/>
-          </a:prstGeom>
-        </p:spPr>
-      </p:pic>
-    </p:spTree>
-    <p:extLst>
-      <p:ext uri="{BB962C8B-B14F-4D97-AF65-F5344CB8AC3E}">
-        <p14:creationId xmlns:p14="http://schemas.microsoft.com/office/powerpoint/2010/main" val="1779569140"/>
-      </p:ext>
-    </p:extLst>
-  </p:cSld>
-  <p:clrMapOvr>
-    <a:masterClrMapping/>
-  </p:clrMapOvr>
-</p:sld>
-</file>
-
-<file path=ppt/slides/slide20.xml><?xml version="1.0" encoding="utf-8"?>
-<p:sld xmlns:a="http://schemas.openxmlformats.org/drawingml/2006/main" xmlns:r="http://schemas.openxmlformats.org/officeDocument/2006/relationships" xmlns:p="http://schemas.openxmlformats.org/presentationml/2006/main" show="0">
-  <p:cSld>
-    <p:spTree>
-      <p:nvGrpSpPr>
-        <p:cNvPr id="1" name=""/>
-        <p:cNvGrpSpPr/>
-        <p:nvPr/>
-      </p:nvGrpSpPr>
-      <p:grpSpPr>
-        <a:xfrm>
-          <a:off x="0" y="0"/>
-          <a:ext cx="0" cy="0"/>
-          <a:chOff x="0" y="0"/>
-          <a:chExt cx="0" cy="0"/>
-        </a:xfrm>
-      </p:grpSpPr>
-      <p:sp>
-        <p:nvSpPr>
-          <p:cNvPr id="2" name="Title 3">
-            <a:extLst>
-              <a:ext uri="{FF2B5EF4-FFF2-40B4-BE49-F238E27FC236}">
-                <a16:creationId xmlns:a16="http://schemas.microsoft.com/office/drawing/2014/main" id="{D4DEEE12-E21D-4167-8807-3C6D9A877EBA}"/>
+                <a16:creationId xmlns="" xmlns:a16="http://schemas.microsoft.com/office/drawing/2014/main" id="{D4DEEE12-E21D-4167-8807-3C6D9A877EBA}"/>
               </a:ext>
             </a:extLst>
           </p:cNvPr>
@@ -5085,7 +5640,7 @@
           <p:cNvPr id="7170" name="Picture 2" descr="https://lh4.googleusercontent.com/AFpGe7MzWCPhXDgqx-vHyZLrtrPdrV5pAqobftLY7Ht182oAWrB9RgO6-EgcIZDrDEmzm9MGJdaH1g9-7P2bFgEwEHoqcdCDmrsQq5U5mDPm0Wt9KFQKKTAlPe6-xkIpVXQQLKWY">
             <a:extLst>
               <a:ext uri="{FF2B5EF4-FFF2-40B4-BE49-F238E27FC236}">
-                <a16:creationId xmlns:a16="http://schemas.microsoft.com/office/drawing/2014/main" id="{612D38DB-5B48-4E6C-AB17-F8E592251F5E}"/>
+                <a16:creationId xmlns="" xmlns:a16="http://schemas.microsoft.com/office/drawing/2014/main" id="{612D38DB-5B48-4E6C-AB17-F8E592251F5E}"/>
               </a:ext>
             </a:extLst>
           </p:cNvPr>
@@ -5137,6 +5692,14 @@
   <p:clrMapOvr>
     <a:masterClrMapping/>
   </p:clrMapOvr>
+  <mc:AlternateContent xmlns:mc="http://schemas.openxmlformats.org/markup-compatibility/2006">
+    <mc:Choice xmlns:p14="http://schemas.microsoft.com/office/powerpoint/2010/main" Requires="p14">
+      <p:transition spd="slow" p14:dur="2000"/>
+    </mc:Choice>
+    <mc:Fallback>
+      <p:transition spd="slow"/>
+    </mc:Fallback>
+  </mc:AlternateContent>
 </p:sld>
 </file>
 
@@ -5162,7 +5725,7 @@
           <p:cNvPr id="3" name="Picture 2" descr="A screenshot of a social media post&#10;&#10;Description automatically generated">
             <a:extLst>
               <a:ext uri="{FF2B5EF4-FFF2-40B4-BE49-F238E27FC236}">
-                <a16:creationId xmlns:a16="http://schemas.microsoft.com/office/drawing/2014/main" id="{2E01528D-B7DC-4820-8F66-35003C0B44FB}"/>
+                <a16:creationId xmlns="" xmlns:a16="http://schemas.microsoft.com/office/drawing/2014/main" id="{2E01528D-B7DC-4820-8F66-35003C0B44FB}"/>
               </a:ext>
             </a:extLst>
           </p:cNvPr>
@@ -5228,7 +5791,7 @@
           <p:cNvPr id="2" name="Title 1">
             <a:extLst>
               <a:ext uri="{FF2B5EF4-FFF2-40B4-BE49-F238E27FC236}">
-                <a16:creationId xmlns:a16="http://schemas.microsoft.com/office/drawing/2014/main" id="{A71E804D-5C31-497D-B369-2CD54A239739}"/>
+                <a16:creationId xmlns="" xmlns:a16="http://schemas.microsoft.com/office/drawing/2014/main" id="{A71E804D-5C31-497D-B369-2CD54A239739}"/>
               </a:ext>
             </a:extLst>
           </p:cNvPr>
@@ -5265,7 +5828,7 @@
           <p:cNvPr id="7" name="Content Placeholder 6">
             <a:extLst>
               <a:ext uri="{FF2B5EF4-FFF2-40B4-BE49-F238E27FC236}">
-                <a16:creationId xmlns:a16="http://schemas.microsoft.com/office/drawing/2014/main" id="{5E0E07E5-3418-4F96-9135-D24998A01603}"/>
+                <a16:creationId xmlns="" xmlns:a16="http://schemas.microsoft.com/office/drawing/2014/main" id="{5E0E07E5-3418-4F96-9135-D24998A01603}"/>
               </a:ext>
             </a:extLst>
           </p:cNvPr>
@@ -5293,28 +5856,28 @@
                 <a:gridCol w="2528334">
                   <a:extLst>
                     <a:ext uri="{9D8B030D-6E8A-4147-A177-3AD203B41FA5}">
-                      <a16:colId xmlns:a16="http://schemas.microsoft.com/office/drawing/2014/main" val="3460888488"/>
+                      <a16:colId xmlns="" xmlns:a16="http://schemas.microsoft.com/office/drawing/2014/main" val="3460888488"/>
                     </a:ext>
                   </a:extLst>
                 </a:gridCol>
                 <a:gridCol w="2528334">
                   <a:extLst>
                     <a:ext uri="{9D8B030D-6E8A-4147-A177-3AD203B41FA5}">
-                      <a16:colId xmlns:a16="http://schemas.microsoft.com/office/drawing/2014/main" val="104486307"/>
+                      <a16:colId xmlns="" xmlns:a16="http://schemas.microsoft.com/office/drawing/2014/main" val="104486307"/>
                     </a:ext>
                   </a:extLst>
                 </a:gridCol>
                 <a:gridCol w="2528334">
                   <a:extLst>
                     <a:ext uri="{9D8B030D-6E8A-4147-A177-3AD203B41FA5}">
-                      <a16:colId xmlns:a16="http://schemas.microsoft.com/office/drawing/2014/main" val="4293362128"/>
+                      <a16:colId xmlns="" xmlns:a16="http://schemas.microsoft.com/office/drawing/2014/main" val="4293362128"/>
                     </a:ext>
                   </a:extLst>
                 </a:gridCol>
                 <a:gridCol w="2528334">
                   <a:extLst>
                     <a:ext uri="{9D8B030D-6E8A-4147-A177-3AD203B41FA5}">
-                      <a16:colId xmlns:a16="http://schemas.microsoft.com/office/drawing/2014/main" val="2468508220"/>
+                      <a16:colId xmlns="" xmlns:a16="http://schemas.microsoft.com/office/drawing/2014/main" val="2468508220"/>
                     </a:ext>
                   </a:extLst>
                 </a:gridCol>
@@ -5630,7 +6193,7 @@
                 </a:tc>
                 <a:extLst>
                   <a:ext uri="{0D108BD9-81ED-4DB2-BD59-A6C34878D82A}">
-                    <a16:rowId xmlns:a16="http://schemas.microsoft.com/office/drawing/2014/main" val="2112980627"/>
+                    <a16:rowId xmlns="" xmlns:a16="http://schemas.microsoft.com/office/drawing/2014/main" val="2112980627"/>
                   </a:ext>
                 </a:extLst>
               </a:tr>
@@ -6111,7 +6674,7 @@
                 </a:tc>
                 <a:extLst>
                   <a:ext uri="{0D108BD9-81ED-4DB2-BD59-A6C34878D82A}">
-                    <a16:rowId xmlns:a16="http://schemas.microsoft.com/office/drawing/2014/main" val="1300163161"/>
+                    <a16:rowId xmlns="" xmlns:a16="http://schemas.microsoft.com/office/drawing/2014/main" val="1300163161"/>
                   </a:ext>
                 </a:extLst>
               </a:tr>
@@ -6519,7 +7082,7 @@
                 </a:tc>
                 <a:extLst>
                   <a:ext uri="{0D108BD9-81ED-4DB2-BD59-A6C34878D82A}">
-                    <a16:rowId xmlns:a16="http://schemas.microsoft.com/office/drawing/2014/main" val="1833941546"/>
+                    <a16:rowId xmlns="" xmlns:a16="http://schemas.microsoft.com/office/drawing/2014/main" val="1833941546"/>
                   </a:ext>
                 </a:extLst>
               </a:tr>
@@ -6837,7 +7400,7 @@
                 </a:tc>
                 <a:extLst>
                   <a:ext uri="{0D108BD9-81ED-4DB2-BD59-A6C34878D82A}">
-                    <a16:rowId xmlns:a16="http://schemas.microsoft.com/office/drawing/2014/main" val="538980370"/>
+                    <a16:rowId xmlns="" xmlns:a16="http://schemas.microsoft.com/office/drawing/2014/main" val="538980370"/>
                   </a:ext>
                 </a:extLst>
               </a:tr>
@@ -7275,7 +7838,7 @@
                 </a:tc>
                 <a:extLst>
                   <a:ext uri="{0D108BD9-81ED-4DB2-BD59-A6C34878D82A}">
-                    <a16:rowId xmlns:a16="http://schemas.microsoft.com/office/drawing/2014/main" val="3587799518"/>
+                    <a16:rowId xmlns="" xmlns:a16="http://schemas.microsoft.com/office/drawing/2014/main" val="3587799518"/>
                   </a:ext>
                 </a:extLst>
               </a:tr>
@@ -7318,7 +7881,7 @@
           <p:cNvPr id="2" name="Title 1">
             <a:extLst>
               <a:ext uri="{FF2B5EF4-FFF2-40B4-BE49-F238E27FC236}">
-                <a16:creationId xmlns:a16="http://schemas.microsoft.com/office/drawing/2014/main" id="{A71E804D-5C31-497D-B369-2CD54A239739}"/>
+                <a16:creationId xmlns="" xmlns:a16="http://schemas.microsoft.com/office/drawing/2014/main" id="{A71E804D-5C31-497D-B369-2CD54A239739}"/>
               </a:ext>
             </a:extLst>
           </p:cNvPr>
@@ -7363,7 +7926,7 @@
           <p:cNvPr id="3" name="Content Placeholder 2">
             <a:extLst>
               <a:ext uri="{FF2B5EF4-FFF2-40B4-BE49-F238E27FC236}">
-                <a16:creationId xmlns:a16="http://schemas.microsoft.com/office/drawing/2014/main" id="{35B705B0-F687-4191-8D85-C97AB498A606}"/>
+                <a16:creationId xmlns="" xmlns:a16="http://schemas.microsoft.com/office/drawing/2014/main" id="{35B705B0-F687-4191-8D85-C97AB498A606}"/>
               </a:ext>
             </a:extLst>
           </p:cNvPr>
@@ -7514,6 +8077,10 @@
             <a:pPr marL="0" indent="0">
               <a:buNone/>
             </a:pPr>
+            <a:r>
+              <a:rPr lang="en-ID" b="1" dirty="0"/>
+              <a:t/>
+            </a:r>
             <a:br>
               <a:rPr lang="en-ID" b="1" dirty="0"/>
             </a:br>
@@ -7860,7 +8427,7 @@
           <p:cNvPr id="2" name="Title 1">
             <a:extLst>
               <a:ext uri="{FF2B5EF4-FFF2-40B4-BE49-F238E27FC236}">
-                <a16:creationId xmlns:a16="http://schemas.microsoft.com/office/drawing/2014/main" id="{6B3A0772-BD65-4996-AB7C-394B4E4215FE}"/>
+                <a16:creationId xmlns="" xmlns:a16="http://schemas.microsoft.com/office/drawing/2014/main" id="{6B3A0772-BD65-4996-AB7C-394B4E4215FE}"/>
               </a:ext>
             </a:extLst>
           </p:cNvPr>
@@ -7929,7 +8496,7 @@
           <p:cNvPr id="3" name="Content Placeholder 2">
             <a:extLst>
               <a:ext uri="{FF2B5EF4-FFF2-40B4-BE49-F238E27FC236}">
-                <a16:creationId xmlns:a16="http://schemas.microsoft.com/office/drawing/2014/main" id="{C1D21A63-2822-4F6B-9C43-CE18FAF32978}"/>
+                <a16:creationId xmlns="" xmlns:a16="http://schemas.microsoft.com/office/drawing/2014/main" id="{C1D21A63-2822-4F6B-9C43-CE18FAF32978}"/>
               </a:ext>
             </a:extLst>
           </p:cNvPr>
@@ -8698,29 +9265,65 @@
           <p:cNvPr id="2" name="Title 1">
             <a:extLst>
               <a:ext uri="{FF2B5EF4-FFF2-40B4-BE49-F238E27FC236}">
-                <a16:creationId xmlns:a16="http://schemas.microsoft.com/office/drawing/2014/main" id="{A71E804D-5C31-497D-B369-2CD54A239739}"/>
+                <a16:creationId xmlns="" xmlns:a16="http://schemas.microsoft.com/office/drawing/2014/main" id="{6B3A0772-BD65-4996-AB7C-394B4E4215FE}"/>
               </a:ext>
             </a:extLst>
           </p:cNvPr>
-          <p:cNvSpPr>
-            <a:spLocks noGrp="1"/>
+          <p:cNvSpPr txBox="1">
+            <a:spLocks/>
           </p:cNvSpPr>
-          <p:nvPr>
-            <p:ph type="title"/>
-          </p:nvPr>
+          <p:nvPr/>
         </p:nvSpPr>
-        <p:spPr/>
+        <p:spPr>
+          <a:xfrm>
+            <a:off x="838200" y="530225"/>
+            <a:ext cx="10515600" cy="765175"/>
+          </a:xfrm>
+          <a:prstGeom prst="rect">
+            <a:avLst/>
+          </a:prstGeom>
+        </p:spPr>
         <p:txBody>
           <a:bodyPr/>
-          <a:lstStyle/>
-          <a:p>
-            <a:r>
-              <a:rPr lang="en-ID" dirty="0" err="1"/>
-              <a:t>Keunikan</a:t>
-            </a:r>
-            <a:r>
-              <a:rPr lang="en-ID" dirty="0"/>
-              <a:t> Program</a:t>
+          <a:lstStyle>
+            <a:lvl1pPr algn="l" defTabSz="914400" rtl="0" eaLnBrk="1" latinLnBrk="0" hangingPunct="1">
+              <a:lnSpc>
+                <a:spcPct val="90000"/>
+              </a:lnSpc>
+              <a:spcBef>
+                <a:spcPct val="0"/>
+              </a:spcBef>
+              <a:buNone/>
+              <a:defRPr sz="4400" kern="1200">
+                <a:solidFill>
+                  <a:schemeClr val="tx1"/>
+                </a:solidFill>
+                <a:latin typeface="+mj-lt"/>
+                <a:ea typeface="+mj-ea"/>
+                <a:cs typeface="+mj-cs"/>
+              </a:defRPr>
+            </a:lvl1pPr>
+          </a:lstStyle>
+          <a:p>
+            <a:r>
+              <a:rPr lang="en-ID" dirty="0" err="1"/>
+              <a:t>Analisis</a:t>
+            </a:r>
+            <a:r>
+              <a:rPr lang="en-ID" dirty="0"/>
+              <a:t> </a:t>
+            </a:r>
+            <a:r>
+              <a:rPr lang="en-ID" dirty="0" err="1"/>
+              <a:t>Masalah</a:t>
+            </a:r>
+            <a:r>
+              <a:rPr lang="en-ID" dirty="0"/>
+              <a:t> dan </a:t>
+            </a:r>
+            <a:r>
+              <a:rPr lang="en-ID" dirty="0" err="1"/>
+              <a:t>Kendala</a:t>
             </a:r>
             <a:endParaRPr lang="id-ID" dirty="0"/>
           </a:p>
@@ -8731,69 +9334,650 @@
           <p:cNvPr id="3" name="Content Placeholder 2">
             <a:extLst>
               <a:ext uri="{FF2B5EF4-FFF2-40B4-BE49-F238E27FC236}">
-                <a16:creationId xmlns:a16="http://schemas.microsoft.com/office/drawing/2014/main" id="{35B705B0-F687-4191-8D85-C97AB498A606}"/>
+                <a16:creationId xmlns="" xmlns:a16="http://schemas.microsoft.com/office/drawing/2014/main" id="{C1D21A63-2822-4F6B-9C43-CE18FAF32978}"/>
               </a:ext>
             </a:extLst>
           </p:cNvPr>
-          <p:cNvSpPr>
-            <a:spLocks noGrp="1"/>
+          <p:cNvSpPr txBox="1">
+            <a:spLocks/>
           </p:cNvSpPr>
-          <p:nvPr>
-            <p:ph idx="1"/>
-          </p:nvPr>
+          <p:nvPr/>
         </p:nvSpPr>
-        <p:spPr/>
+        <p:spPr>
+          <a:xfrm>
+            <a:off x="838200" y="1295400"/>
+            <a:ext cx="10515600" cy="4881563"/>
+          </a:xfrm>
+          <a:prstGeom prst="rect">
+            <a:avLst/>
+          </a:prstGeom>
+        </p:spPr>
         <p:txBody>
-          <a:bodyPr/>
-          <a:lstStyle/>
-          <a:p>
-            <a:pPr marL="514350" indent="-514350">
-              <a:buAutoNum type="arabicPeriod"/>
+          <a:bodyPr>
+            <a:normAutofit fontScale="92500" lnSpcReduction="20000"/>
+          </a:bodyPr>
+          <a:lstStyle>
+            <a:lvl1pPr marL="228600" indent="-228600" algn="l" defTabSz="914400" rtl="0" eaLnBrk="1" latinLnBrk="0" hangingPunct="1">
+              <a:lnSpc>
+                <a:spcPct val="90000"/>
+              </a:lnSpc>
+              <a:spcBef>
+                <a:spcPts val="1000"/>
+              </a:spcBef>
+              <a:buFont typeface="Arial" panose="020B0604020202020204" pitchFamily="34" charset="0"/>
+              <a:buChar char="•"/>
+              <a:defRPr sz="2800" kern="1200">
+                <a:solidFill>
+                  <a:schemeClr val="tx1"/>
+                </a:solidFill>
+                <a:latin typeface="+mn-lt"/>
+                <a:ea typeface="+mn-ea"/>
+                <a:cs typeface="+mn-cs"/>
+              </a:defRPr>
+            </a:lvl1pPr>
+            <a:lvl2pPr marL="685800" indent="-228600" algn="l" defTabSz="914400" rtl="0" eaLnBrk="1" latinLnBrk="0" hangingPunct="1">
+              <a:lnSpc>
+                <a:spcPct val="90000"/>
+              </a:lnSpc>
+              <a:spcBef>
+                <a:spcPts val="500"/>
+              </a:spcBef>
+              <a:buFont typeface="Arial" panose="020B0604020202020204" pitchFamily="34" charset="0"/>
+              <a:buChar char="•"/>
+              <a:defRPr sz="2400" kern="1200">
+                <a:solidFill>
+                  <a:schemeClr val="tx1"/>
+                </a:solidFill>
+                <a:latin typeface="+mn-lt"/>
+                <a:ea typeface="+mn-ea"/>
+                <a:cs typeface="+mn-cs"/>
+              </a:defRPr>
+            </a:lvl2pPr>
+            <a:lvl3pPr marL="1143000" indent="-228600" algn="l" defTabSz="914400" rtl="0" eaLnBrk="1" latinLnBrk="0" hangingPunct="1">
+              <a:lnSpc>
+                <a:spcPct val="90000"/>
+              </a:lnSpc>
+              <a:spcBef>
+                <a:spcPts val="500"/>
+              </a:spcBef>
+              <a:buFont typeface="Arial" panose="020B0604020202020204" pitchFamily="34" charset="0"/>
+              <a:buChar char="•"/>
+              <a:defRPr sz="2000" kern="1200">
+                <a:solidFill>
+                  <a:schemeClr val="tx1"/>
+                </a:solidFill>
+                <a:latin typeface="+mn-lt"/>
+                <a:ea typeface="+mn-ea"/>
+                <a:cs typeface="+mn-cs"/>
+              </a:defRPr>
+            </a:lvl3pPr>
+            <a:lvl4pPr marL="1600200" indent="-228600" algn="l" defTabSz="914400" rtl="0" eaLnBrk="1" latinLnBrk="0" hangingPunct="1">
+              <a:lnSpc>
+                <a:spcPct val="90000"/>
+              </a:lnSpc>
+              <a:spcBef>
+                <a:spcPts val="500"/>
+              </a:spcBef>
+              <a:buFont typeface="Arial" panose="020B0604020202020204" pitchFamily="34" charset="0"/>
+              <a:buChar char="•"/>
+              <a:defRPr sz="1800" kern="1200">
+                <a:solidFill>
+                  <a:schemeClr val="tx1"/>
+                </a:solidFill>
+                <a:latin typeface="+mn-lt"/>
+                <a:ea typeface="+mn-ea"/>
+                <a:cs typeface="+mn-cs"/>
+              </a:defRPr>
+            </a:lvl4pPr>
+            <a:lvl5pPr marL="2057400" indent="-228600" algn="l" defTabSz="914400" rtl="0" eaLnBrk="1" latinLnBrk="0" hangingPunct="1">
+              <a:lnSpc>
+                <a:spcPct val="90000"/>
+              </a:lnSpc>
+              <a:spcBef>
+                <a:spcPts val="500"/>
+              </a:spcBef>
+              <a:buFont typeface="Arial" panose="020B0604020202020204" pitchFamily="34" charset="0"/>
+              <a:buChar char="•"/>
+              <a:defRPr sz="1800" kern="1200">
+                <a:solidFill>
+                  <a:schemeClr val="tx1"/>
+                </a:solidFill>
+                <a:latin typeface="+mn-lt"/>
+                <a:ea typeface="+mn-ea"/>
+                <a:cs typeface="+mn-cs"/>
+              </a:defRPr>
+            </a:lvl5pPr>
+            <a:lvl6pPr marL="2514600" indent="-228600" algn="l" defTabSz="914400" rtl="0" eaLnBrk="1" latinLnBrk="0" hangingPunct="1">
+              <a:lnSpc>
+                <a:spcPct val="90000"/>
+              </a:lnSpc>
+              <a:spcBef>
+                <a:spcPts val="500"/>
+              </a:spcBef>
+              <a:buFont typeface="Arial" panose="020B0604020202020204" pitchFamily="34" charset="0"/>
+              <a:buChar char="•"/>
+              <a:defRPr sz="1800" kern="1200">
+                <a:solidFill>
+                  <a:schemeClr val="tx1"/>
+                </a:solidFill>
+                <a:latin typeface="+mn-lt"/>
+                <a:ea typeface="+mn-ea"/>
+                <a:cs typeface="+mn-cs"/>
+              </a:defRPr>
+            </a:lvl6pPr>
+            <a:lvl7pPr marL="2971800" indent="-228600" algn="l" defTabSz="914400" rtl="0" eaLnBrk="1" latinLnBrk="0" hangingPunct="1">
+              <a:lnSpc>
+                <a:spcPct val="90000"/>
+              </a:lnSpc>
+              <a:spcBef>
+                <a:spcPts val="500"/>
+              </a:spcBef>
+              <a:buFont typeface="Arial" panose="020B0604020202020204" pitchFamily="34" charset="0"/>
+              <a:buChar char="•"/>
+              <a:defRPr sz="1800" kern="1200">
+                <a:solidFill>
+                  <a:schemeClr val="tx1"/>
+                </a:solidFill>
+                <a:latin typeface="+mn-lt"/>
+                <a:ea typeface="+mn-ea"/>
+                <a:cs typeface="+mn-cs"/>
+              </a:defRPr>
+            </a:lvl7pPr>
+            <a:lvl8pPr marL="3429000" indent="-228600" algn="l" defTabSz="914400" rtl="0" eaLnBrk="1" latinLnBrk="0" hangingPunct="1">
+              <a:lnSpc>
+                <a:spcPct val="90000"/>
+              </a:lnSpc>
+              <a:spcBef>
+                <a:spcPts val="500"/>
+              </a:spcBef>
+              <a:buFont typeface="Arial" panose="020B0604020202020204" pitchFamily="34" charset="0"/>
+              <a:buChar char="•"/>
+              <a:defRPr sz="1800" kern="1200">
+                <a:solidFill>
+                  <a:schemeClr val="tx1"/>
+                </a:solidFill>
+                <a:latin typeface="+mn-lt"/>
+                <a:ea typeface="+mn-ea"/>
+                <a:cs typeface="+mn-cs"/>
+              </a:defRPr>
+            </a:lvl8pPr>
+            <a:lvl9pPr marL="3886200" indent="-228600" algn="l" defTabSz="914400" rtl="0" eaLnBrk="1" latinLnBrk="0" hangingPunct="1">
+              <a:lnSpc>
+                <a:spcPct val="90000"/>
+              </a:lnSpc>
+              <a:spcBef>
+                <a:spcPts val="500"/>
+              </a:spcBef>
+              <a:buFont typeface="Arial" panose="020B0604020202020204" pitchFamily="34" charset="0"/>
+              <a:buChar char="•"/>
+              <a:defRPr sz="1800" kern="1200">
+                <a:solidFill>
+                  <a:schemeClr val="tx1"/>
+                </a:solidFill>
+                <a:latin typeface="+mn-lt"/>
+                <a:ea typeface="+mn-ea"/>
+                <a:cs typeface="+mn-cs"/>
+              </a:defRPr>
+            </a:lvl9pPr>
+          </a:lstStyle>
+          <a:p>
+            <a:pPr marL="0" indent="0">
+              <a:buNone/>
             </a:pPr>
             <a:r>
-              <a:rPr lang="en-ID" dirty="0" err="1"/>
-              <a:t>Terdapat</a:t>
-            </a:r>
-            <a:r>
-              <a:rPr lang="en-ID" dirty="0"/>
-              <a:t> </a:t>
-            </a:r>
-            <a:r>
-              <a:rPr lang="en-ID" dirty="0" err="1"/>
+              <a:rPr lang="en-ID" b="1" dirty="0" err="1" smtClean="0"/>
+              <a:t>TampilkanRouting</a:t>
+            </a:r>
+            <a:r>
+              <a:rPr lang="en-ID" b="1" dirty="0" smtClean="0"/>
+              <a:t> ()</a:t>
+            </a:r>
+            <a:endParaRPr lang="en-ID" b="1" dirty="0"/>
+          </a:p>
+          <a:p>
+            <a:pPr marL="0" indent="0">
+              <a:buNone/>
+            </a:pPr>
+            <a:r>
+              <a:rPr lang="en-ID" dirty="0" err="1"/>
+              <a:t>Masalah</a:t>
+            </a:r>
+            <a:r>
+              <a:rPr lang="en-ID" dirty="0"/>
+              <a:t>: </a:t>
+            </a:r>
+            <a:r>
+              <a:rPr lang="en-ID" dirty="0" err="1" smtClean="0"/>
+              <a:t>terdapat</a:t>
+            </a:r>
+            <a:r>
+              <a:rPr lang="en-ID" dirty="0" smtClean="0"/>
+              <a:t> </a:t>
+            </a:r>
+            <a:r>
+              <a:rPr lang="en-ID" dirty="0" err="1" smtClean="0"/>
+              <a:t>masalah</a:t>
+            </a:r>
+            <a:r>
+              <a:rPr lang="en-ID" dirty="0" smtClean="0"/>
+              <a:t> </a:t>
+            </a:r>
+            <a:r>
+              <a:rPr lang="en-ID" dirty="0" err="1" smtClean="0"/>
+              <a:t>saat</a:t>
+            </a:r>
+            <a:r>
+              <a:rPr lang="en-ID" dirty="0" smtClean="0"/>
+              <a:t> </a:t>
+            </a:r>
+            <a:r>
+              <a:rPr lang="en-ID" dirty="0" err="1" smtClean="0"/>
+              <a:t>menampilkan</a:t>
+            </a:r>
+            <a:r>
+              <a:rPr lang="en-ID" dirty="0" smtClean="0"/>
+              <a:t> </a:t>
+            </a:r>
+            <a:r>
+              <a:rPr lang="en-ID" dirty="0" err="1" smtClean="0"/>
+              <a:t>hasil</a:t>
+            </a:r>
+            <a:r>
+              <a:rPr lang="en-ID" dirty="0" smtClean="0"/>
+              <a:t> routing </a:t>
+            </a:r>
+            <a:r>
+              <a:rPr lang="en-ID" dirty="0" err="1" smtClean="0"/>
+              <a:t>yaitu</a:t>
+            </a:r>
+            <a:r>
+              <a:rPr lang="en-ID" dirty="0" smtClean="0"/>
+              <a:t> </a:t>
+            </a:r>
+            <a:r>
+              <a:rPr lang="en-ID" dirty="0" err="1" smtClean="0"/>
+              <a:t>kendala</a:t>
+            </a:r>
+            <a:r>
+              <a:rPr lang="en-ID" dirty="0" smtClean="0"/>
+              <a:t> looping 40 kali </a:t>
+            </a:r>
+            <a:r>
+              <a:rPr lang="en-ID" dirty="0" err="1" smtClean="0"/>
+              <a:t>pada</a:t>
+            </a:r>
+            <a:r>
+              <a:rPr lang="en-ID" dirty="0" smtClean="0"/>
+              <a:t> </a:t>
+            </a:r>
+            <a:r>
+              <a:rPr lang="en-ID" dirty="0" err="1" smtClean="0"/>
+              <a:t>baris</a:t>
+            </a:r>
+            <a:r>
+              <a:rPr lang="en-ID" dirty="0" smtClean="0"/>
+              <a:t> </a:t>
+            </a:r>
+            <a:r>
+              <a:rPr lang="en-ID" dirty="0" err="1" smtClean="0"/>
+              <a:t>pertama</a:t>
+            </a:r>
+            <a:endParaRPr lang="en-ID" dirty="0"/>
+          </a:p>
+          <a:p>
+            <a:pPr marL="0" indent="0">
+              <a:buNone/>
+            </a:pPr>
+            <a:endParaRPr lang="en-ID" dirty="0"/>
+          </a:p>
+          <a:p>
+            <a:pPr marL="0" indent="0">
+              <a:buNone/>
+            </a:pPr>
+            <a:r>
+              <a:rPr lang="en-ID" dirty="0" err="1" smtClean="0"/>
+              <a:t>Solusi</a:t>
+            </a:r>
+            <a:r>
+              <a:rPr lang="en-ID" dirty="0" smtClean="0"/>
+              <a:t>: </a:t>
+            </a:r>
+            <a:r>
+              <a:rPr lang="en-ID" dirty="0" err="1" smtClean="0"/>
+              <a:t>diberi</a:t>
+            </a:r>
+            <a:r>
+              <a:rPr lang="en-ID" dirty="0" smtClean="0"/>
+              <a:t> </a:t>
+            </a:r>
+            <a:r>
+              <a:rPr lang="en-ID" dirty="0" err="1" smtClean="0"/>
+              <a:t>tambahan</a:t>
+            </a:r>
+            <a:r>
+              <a:rPr lang="en-ID" dirty="0" smtClean="0"/>
+              <a:t> </a:t>
+            </a:r>
+            <a:r>
+              <a:rPr lang="en-ID" dirty="0" err="1" smtClean="0"/>
+              <a:t>berupa</a:t>
+            </a:r>
+            <a:r>
+              <a:rPr lang="en-ID" dirty="0" smtClean="0"/>
+              <a:t> </a:t>
+            </a:r>
+            <a:r>
+              <a:rPr lang="en-ID" dirty="0" err="1" smtClean="0"/>
               <a:t>validasi</a:t>
             </a:r>
             <a:r>
-              <a:rPr lang="en-ID" dirty="0"/>
-              <a:t> </a:t>
-            </a:r>
-            <a:r>
-              <a:rPr lang="en-ID" dirty="0" err="1"/>
+              <a:rPr lang="en-ID" dirty="0" smtClean="0"/>
+              <a:t> </a:t>
+            </a:r>
+            <a:r>
+              <a:rPr lang="en-ID" dirty="0" err="1" smtClean="0"/>
               <a:t>untuk</a:t>
             </a:r>
             <a:r>
-              <a:rPr lang="en-ID" dirty="0"/>
-              <a:t> </a:t>
-            </a:r>
-            <a:r>
-              <a:rPr lang="en-ID" dirty="0" err="1"/>
-              <a:t>seluruh</a:t>
-            </a:r>
-            <a:r>
-              <a:rPr lang="en-ID" dirty="0"/>
-              <a:t> </a:t>
-            </a:r>
-            <a:r>
-              <a:rPr lang="en-ID" dirty="0" err="1"/>
-              <a:t>masukan</a:t>
+              <a:rPr lang="en-ID" dirty="0" smtClean="0"/>
+              <a:t> looping </a:t>
+            </a:r>
+            <a:r>
+              <a:rPr lang="en-ID" dirty="0" err="1" smtClean="0"/>
+              <a:t>kedua</a:t>
+            </a:r>
+            <a:r>
+              <a:rPr lang="en-ID" dirty="0" smtClean="0"/>
+              <a:t> </a:t>
+            </a:r>
+            <a:r>
+              <a:rPr lang="en-ID" dirty="0" err="1" smtClean="0"/>
+              <a:t>pada</a:t>
+            </a:r>
+            <a:r>
+              <a:rPr lang="en-ID" dirty="0" smtClean="0"/>
+              <a:t> variable j agar </a:t>
+            </a:r>
+            <a:r>
+              <a:rPr lang="en-ID" dirty="0" err="1" smtClean="0"/>
+              <a:t>tidak</a:t>
+            </a:r>
+            <a:r>
+              <a:rPr lang="en-ID" dirty="0" smtClean="0"/>
+              <a:t> looping 40 kali</a:t>
             </a:r>
             <a:endParaRPr lang="en-ID" dirty="0"/>
+          </a:p>
+          <a:p>
+            <a:pPr marL="0" indent="0">
+              <a:buNone/>
+            </a:pPr>
+            <a:endParaRPr lang="en-ID" dirty="0"/>
+          </a:p>
+          <a:p>
+            <a:pPr marL="0" indent="0">
+              <a:buNone/>
+            </a:pPr>
+            <a:r>
+              <a:rPr lang="en-ID" b="1" dirty="0" err="1" smtClean="0"/>
+              <a:t>DesignRuleChecker</a:t>
+            </a:r>
+            <a:r>
+              <a:rPr lang="en-ID" b="1" dirty="0" smtClean="0"/>
+              <a:t>()</a:t>
+            </a:r>
+            <a:endParaRPr lang="en-ID" b="1" dirty="0"/>
+          </a:p>
+          <a:p>
+            <a:pPr marL="0" indent="0">
+              <a:buNone/>
+            </a:pPr>
+            <a:r>
+              <a:rPr lang="en-ID" dirty="0" err="1"/>
+              <a:t>Masalah</a:t>
+            </a:r>
+            <a:r>
+              <a:rPr lang="en-ID" dirty="0"/>
+              <a:t>: </a:t>
+            </a:r>
+            <a:r>
+              <a:rPr lang="en-ID" dirty="0" err="1" smtClean="0"/>
+              <a:t>Masalah</a:t>
+            </a:r>
+            <a:r>
+              <a:rPr lang="en-ID" dirty="0" smtClean="0"/>
+              <a:t> </a:t>
+            </a:r>
+            <a:r>
+              <a:rPr lang="en-ID" dirty="0" err="1" smtClean="0"/>
+              <a:t>pada</a:t>
+            </a:r>
+            <a:r>
+              <a:rPr lang="en-ID" dirty="0" smtClean="0"/>
+              <a:t> </a:t>
+            </a:r>
+            <a:r>
+              <a:rPr lang="en-ID" dirty="0" err="1" smtClean="0"/>
+              <a:t>pengecekan</a:t>
+            </a:r>
+            <a:r>
+              <a:rPr lang="en-ID" dirty="0" smtClean="0"/>
+              <a:t> </a:t>
+            </a:r>
+            <a:r>
+              <a:rPr lang="en-ID" dirty="0" err="1" smtClean="0"/>
+              <a:t>pada</a:t>
+            </a:r>
+            <a:r>
+              <a:rPr lang="en-ID" dirty="0" smtClean="0"/>
+              <a:t> </a:t>
+            </a:r>
+            <a:r>
+              <a:rPr lang="en-ID" dirty="0" err="1" smtClean="0"/>
+              <a:t>tipe</a:t>
+            </a:r>
+            <a:r>
+              <a:rPr lang="en-ID" dirty="0" smtClean="0"/>
+              <a:t> data </a:t>
+            </a:r>
+            <a:r>
+              <a:rPr lang="en-ID" dirty="0" err="1" smtClean="0"/>
+              <a:t>bentukan</a:t>
+            </a:r>
+            <a:r>
+              <a:rPr lang="en-ID" dirty="0" smtClean="0"/>
+              <a:t>, </a:t>
+            </a:r>
+            <a:r>
+              <a:rPr lang="en-ID" dirty="0" err="1" smtClean="0"/>
+              <a:t>karena</a:t>
+            </a:r>
+            <a:r>
+              <a:rPr lang="en-ID" dirty="0" smtClean="0"/>
+              <a:t> </a:t>
+            </a:r>
+            <a:r>
+              <a:rPr lang="en-ID" dirty="0" err="1" smtClean="0"/>
+              <a:t>menggunakan</a:t>
+            </a:r>
+            <a:r>
+              <a:rPr lang="en-ID" dirty="0" smtClean="0"/>
+              <a:t> </a:t>
+            </a:r>
+            <a:r>
+              <a:rPr lang="en-ID" dirty="0" err="1" smtClean="0"/>
+              <a:t>tipe</a:t>
+            </a:r>
+            <a:r>
+              <a:rPr lang="en-ID" dirty="0" smtClean="0"/>
+              <a:t> data </a:t>
+            </a:r>
+            <a:r>
+              <a:rPr lang="en-ID" dirty="0" err="1" smtClean="0"/>
+              <a:t>bentukan</a:t>
+            </a:r>
+            <a:r>
+              <a:rPr lang="en-ID" dirty="0" smtClean="0"/>
+              <a:t> yang </a:t>
+            </a:r>
+            <a:r>
+              <a:rPr lang="en-ID" dirty="0" err="1" smtClean="0"/>
+              <a:t>berbeda</a:t>
+            </a:r>
+            <a:r>
+              <a:rPr lang="en-ID" dirty="0" smtClean="0"/>
+              <a:t>. </a:t>
+            </a:r>
+            <a:r>
+              <a:rPr lang="en-ID" dirty="0" err="1" smtClean="0"/>
+              <a:t>Fungsi</a:t>
+            </a:r>
+            <a:r>
+              <a:rPr lang="en-ID" dirty="0" smtClean="0"/>
+              <a:t> </a:t>
+            </a:r>
+            <a:r>
+              <a:rPr lang="en-ID" dirty="0" err="1" smtClean="0"/>
+              <a:t>ini</a:t>
+            </a:r>
+            <a:r>
+              <a:rPr lang="en-ID" dirty="0" smtClean="0"/>
+              <a:t> </a:t>
+            </a:r>
+            <a:r>
+              <a:rPr lang="en-ID" dirty="0" err="1" smtClean="0"/>
+              <a:t>meminta</a:t>
+            </a:r>
+            <a:r>
+              <a:rPr lang="en-ID" dirty="0" smtClean="0"/>
+              <a:t> data </a:t>
+            </a:r>
+            <a:r>
+              <a:rPr lang="en-ID" dirty="0" err="1" smtClean="0"/>
+              <a:t>lokasi</a:t>
+            </a:r>
+            <a:r>
+              <a:rPr lang="en-ID" dirty="0" smtClean="0"/>
+              <a:t> routing </a:t>
+            </a:r>
+            <a:r>
+              <a:rPr lang="en-ID" dirty="0" err="1" smtClean="0"/>
+              <a:t>pada</a:t>
+            </a:r>
+            <a:r>
+              <a:rPr lang="en-ID" dirty="0" smtClean="0"/>
+              <a:t> </a:t>
+            </a:r>
+            <a:r>
+              <a:rPr lang="en-ID" dirty="0" err="1" smtClean="0"/>
+              <a:t>fungsi</a:t>
+            </a:r>
+            <a:r>
+              <a:rPr lang="en-ID" dirty="0" smtClean="0"/>
+              <a:t> routing manual. </a:t>
+            </a:r>
+            <a:r>
+              <a:rPr lang="en-ID" dirty="0" err="1" smtClean="0"/>
+              <a:t>Selain</a:t>
+            </a:r>
+            <a:r>
+              <a:rPr lang="en-ID" dirty="0" smtClean="0"/>
+              <a:t> </a:t>
+            </a:r>
+            <a:r>
+              <a:rPr lang="en-ID" dirty="0" err="1" smtClean="0"/>
+              <a:t>itu</a:t>
+            </a:r>
+            <a:r>
+              <a:rPr lang="en-ID" dirty="0" smtClean="0"/>
+              <a:t>, </a:t>
+            </a:r>
+            <a:r>
+              <a:rPr lang="en-ID" dirty="0" err="1" smtClean="0"/>
+              <a:t>terdapat</a:t>
+            </a:r>
+            <a:r>
+              <a:rPr lang="en-ID" dirty="0" smtClean="0"/>
+              <a:t> </a:t>
+            </a:r>
+            <a:r>
+              <a:rPr lang="en-ID" dirty="0" err="1" smtClean="0"/>
+              <a:t>juga</a:t>
+            </a:r>
+            <a:r>
+              <a:rPr lang="en-ID" dirty="0" smtClean="0"/>
+              <a:t> bug </a:t>
+            </a:r>
+            <a:r>
+              <a:rPr lang="en-ID" dirty="0" err="1" smtClean="0"/>
+              <a:t>berupa</a:t>
+            </a:r>
+            <a:r>
+              <a:rPr lang="en-ID" dirty="0" smtClean="0"/>
+              <a:t> looping 15 kali </a:t>
+            </a:r>
+            <a:r>
+              <a:rPr lang="en-ID" dirty="0" err="1" smtClean="0"/>
+              <a:t>pada</a:t>
+            </a:r>
+            <a:r>
+              <a:rPr lang="en-ID" dirty="0" smtClean="0"/>
+              <a:t> </a:t>
+            </a:r>
+            <a:r>
+              <a:rPr lang="en-ID" dirty="0" err="1" smtClean="0"/>
+              <a:t>keluaran</a:t>
+            </a:r>
+            <a:r>
+              <a:rPr lang="en-ID" dirty="0" smtClean="0"/>
+              <a:t> </a:t>
+            </a:r>
+            <a:r>
+              <a:rPr lang="en-ID" dirty="0" err="1" smtClean="0"/>
+              <a:t>validasi</a:t>
+            </a:r>
+            <a:endParaRPr lang="en-ID" dirty="0"/>
+          </a:p>
+          <a:p>
+            <a:pPr marL="0" indent="0">
+              <a:buNone/>
+            </a:pPr>
+            <a:r>
+              <a:rPr lang="en-ID" dirty="0" err="1"/>
+              <a:t>Solusi</a:t>
+            </a:r>
+            <a:r>
+              <a:rPr lang="en-ID" dirty="0"/>
+              <a:t>: </a:t>
+            </a:r>
+            <a:r>
+              <a:rPr lang="en-ID" dirty="0" err="1" smtClean="0"/>
+              <a:t>belum</a:t>
+            </a:r>
+            <a:r>
+              <a:rPr lang="en-ID" dirty="0" smtClean="0"/>
+              <a:t> </a:t>
+            </a:r>
+            <a:r>
+              <a:rPr lang="en-ID" dirty="0" err="1" smtClean="0"/>
+              <a:t>ditemukan</a:t>
+            </a:r>
+            <a:r>
+              <a:rPr lang="en-ID" dirty="0" smtClean="0"/>
+              <a:t> </a:t>
+            </a:r>
+            <a:r>
+              <a:rPr lang="en-ID" dirty="0" err="1" smtClean="0"/>
+              <a:t>solusinya</a:t>
+            </a:r>
+            <a:endParaRPr lang="id-ID" dirty="0"/>
           </a:p>
         </p:txBody>
       </p:sp>
     </p:spTree>
     <p:extLst>
       <p:ext uri="{BB962C8B-B14F-4D97-AF65-F5344CB8AC3E}">
-        <p14:creationId xmlns:p14="http://schemas.microsoft.com/office/powerpoint/2010/main" val="729099623"/>
+        <p14:creationId xmlns:p14="http://schemas.microsoft.com/office/powerpoint/2010/main" val="1580569561"/>
       </p:ext>
     </p:extLst>
   </p:cSld>
@@ -8822,10 +10006,10 @@
       </p:grpSpPr>
       <p:sp>
         <p:nvSpPr>
-          <p:cNvPr id="4" name="Title 3">
+          <p:cNvPr id="2" name="Title 1">
             <a:extLst>
               <a:ext uri="{FF2B5EF4-FFF2-40B4-BE49-F238E27FC236}">
-                <a16:creationId xmlns:a16="http://schemas.microsoft.com/office/drawing/2014/main" id="{385B5DE6-82A2-4C48-9C36-2275E4266186}"/>
+                <a16:creationId xmlns="" xmlns:a16="http://schemas.microsoft.com/office/drawing/2014/main" id="{A71E804D-5C31-497D-B369-2CD54A239739}"/>
               </a:ext>
             </a:extLst>
           </p:cNvPr>
@@ -8843,11 +10027,11 @@
           <a:p>
             <a:r>
               <a:rPr lang="en-ID" dirty="0" err="1"/>
-              <a:t>Terima</a:t>
-            </a:r>
-            <a:r>
-              <a:rPr lang="en-ID" dirty="0"/>
-              <a:t> Kasih</a:t>
+              <a:t>Keunikan</a:t>
+            </a:r>
+            <a:r>
+              <a:rPr lang="en-ID" dirty="0"/>
+              <a:t> Program</a:t>
             </a:r>
             <a:endParaRPr lang="id-ID" dirty="0"/>
           </a:p>
@@ -8855,10 +10039,10 @@
       </p:sp>
       <p:sp>
         <p:nvSpPr>
-          <p:cNvPr id="5" name="Text Placeholder 4">
+          <p:cNvPr id="3" name="Content Placeholder 2">
             <a:extLst>
               <a:ext uri="{FF2B5EF4-FFF2-40B4-BE49-F238E27FC236}">
-                <a16:creationId xmlns:a16="http://schemas.microsoft.com/office/drawing/2014/main" id="{A205E161-B345-4BAD-8DBE-B56249C98D1D}"/>
+                <a16:creationId xmlns="" xmlns:a16="http://schemas.microsoft.com/office/drawing/2014/main" id="{35B705B0-F687-4191-8D85-C97AB498A606}"/>
               </a:ext>
             </a:extLst>
           </p:cNvPr>
@@ -8866,7 +10050,7 @@
             <a:spLocks noGrp="1"/>
           </p:cNvSpPr>
           <p:nvPr>
-            <p:ph type="body" idx="1"/>
+            <p:ph idx="1"/>
           </p:nvPr>
         </p:nvSpPr>
         <p:spPr/>
@@ -8874,14 +10058,53 @@
           <a:bodyPr/>
           <a:lstStyle/>
           <a:p>
-            <a:endParaRPr lang="id-ID"/>
+            <a:pPr marL="514350" indent="-514350">
+              <a:buAutoNum type="arabicPeriod"/>
+            </a:pPr>
+            <a:r>
+              <a:rPr lang="en-ID" dirty="0" err="1"/>
+              <a:t>Terdapat</a:t>
+            </a:r>
+            <a:r>
+              <a:rPr lang="en-ID" dirty="0"/>
+              <a:t> </a:t>
+            </a:r>
+            <a:r>
+              <a:rPr lang="en-ID" dirty="0" err="1"/>
+              <a:t>validasi</a:t>
+            </a:r>
+            <a:r>
+              <a:rPr lang="en-ID" dirty="0"/>
+              <a:t> </a:t>
+            </a:r>
+            <a:r>
+              <a:rPr lang="en-ID" dirty="0" err="1"/>
+              <a:t>untuk</a:t>
+            </a:r>
+            <a:r>
+              <a:rPr lang="en-ID" dirty="0"/>
+              <a:t> </a:t>
+            </a:r>
+            <a:r>
+              <a:rPr lang="en-ID" dirty="0" err="1"/>
+              <a:t>seluruh</a:t>
+            </a:r>
+            <a:r>
+              <a:rPr lang="en-ID" dirty="0"/>
+              <a:t> </a:t>
+            </a:r>
+            <a:r>
+              <a:rPr lang="en-ID" dirty="0" err="1"/>
+              <a:t>masukan</a:t>
+            </a:r>
+            <a:endParaRPr lang="en-ID" dirty="0"/>
           </a:p>
         </p:txBody>
       </p:sp>
     </p:spTree>
     <p:extLst>
       <p:ext uri="{BB962C8B-B14F-4D97-AF65-F5344CB8AC3E}">
-        <p14:creationId xmlns:p14="http://schemas.microsoft.com/office/powerpoint/2010/main" val="4172295657"/>
+        <p14:creationId xmlns:p14="http://schemas.microsoft.com/office/powerpoint/2010/main" val="729099623"/>
       </p:ext>
     </p:extLst>
   </p:cSld>
@@ -8892,7 +10115,7 @@
 </file>
 
 <file path=ppt/slides/slide9.xml><?xml version="1.0" encoding="utf-8"?>
-<p:sld xmlns:a="http://schemas.openxmlformats.org/drawingml/2006/main" xmlns:r="http://schemas.openxmlformats.org/officeDocument/2006/relationships" xmlns:p="http://schemas.openxmlformats.org/presentationml/2006/main" show="0">
+<p:sld xmlns:a="http://schemas.openxmlformats.org/drawingml/2006/main" xmlns:r="http://schemas.openxmlformats.org/officeDocument/2006/relationships" xmlns:p="http://schemas.openxmlformats.org/presentationml/2006/main">
   <p:cSld>
     <p:spTree>
       <p:nvGrpSpPr>
@@ -8910,13 +10133,7 @@
       </p:grpSpPr>
       <p:sp>
         <p:nvSpPr>
-          <p:cNvPr id="4" name="Title 3">
-            <a:extLst>
-              <a:ext uri="{FF2B5EF4-FFF2-40B4-BE49-F238E27FC236}">
-                <a16:creationId xmlns:a16="http://schemas.microsoft.com/office/drawing/2014/main" id="{31EA2C10-95E7-49AC-B488-51F6D2A14F82}"/>
-              </a:ext>
-            </a:extLst>
-          </p:cNvPr>
+          <p:cNvPr id="2" name="Title 1"/>
           <p:cNvSpPr>
             <a:spLocks noGrp="1"/>
           </p:cNvSpPr>
@@ -8926,8 +10143,8 @@
         </p:nvSpPr>
         <p:spPr>
           <a:xfrm>
-            <a:off x="78154" y="-180975"/>
-            <a:ext cx="10515600" cy="1325563"/>
+            <a:off x="838200" y="365126"/>
+            <a:ext cx="10515600" cy="922762"/>
           </a:xfrm>
         </p:spPr>
         <p:txBody>
@@ -8935,45 +10152,41 @@
           <a:lstStyle/>
           <a:p>
             <a:r>
-              <a:rPr lang="en-ID" dirty="0"/>
-              <a:t>Flowchart </a:t>
-            </a:r>
-            <a:r>
-              <a:rPr lang="en-ID" dirty="0" err="1"/>
-              <a:t>Fungsi</a:t>
-            </a:r>
-            <a:r>
-              <a:rPr lang="en-ID" dirty="0"/>
-              <a:t> main()</a:t>
-            </a:r>
-            <a:endParaRPr lang="id-ID" dirty="0"/>
+              <a:rPr lang="en-US" dirty="0" err="1" smtClean="0"/>
+              <a:t>Hasil</a:t>
+            </a:r>
+            <a:r>
+              <a:rPr lang="en-US" dirty="0" smtClean="0"/>
+              <a:t> Common Emitter – Layout</a:t>
+            </a:r>
+            <a:endParaRPr lang="en-US" dirty="0"/>
           </a:p>
         </p:txBody>
       </p:sp>
       <p:pic>
         <p:nvPicPr>
-          <p:cNvPr id="5" name="Picture 4">
-            <a:extLst>
-              <a:ext uri="{FF2B5EF4-FFF2-40B4-BE49-F238E27FC236}">
-                <a16:creationId xmlns:a16="http://schemas.microsoft.com/office/drawing/2014/main" id="{10AAC26A-F6BE-4B48-8798-B9667D502DB8}"/>
-              </a:ext>
-            </a:extLst>
-          </p:cNvPr>
+          <p:cNvPr id="3" name="Picture 2"/>
           <p:cNvPicPr>
             <a:picLocks noChangeAspect="1"/>
           </p:cNvPicPr>
           <p:nvPr/>
         </p:nvPicPr>
         <p:blipFill>
-          <a:blip r:embed="rId2"/>
+          <a:blip r:embed="rId2">
+            <a:extLst>
+              <a:ext uri="{28A0092B-C50C-407E-A947-70E740481C1C}">
+                <a14:useLocalDpi xmlns:a14="http://schemas.microsoft.com/office/drawing/2010/main" val="0"/>
+              </a:ext>
+            </a:extLst>
+          </a:blip>
           <a:stretch>
             <a:fillRect/>
           </a:stretch>
         </p:blipFill>
         <p:spPr>
           <a:xfrm>
-            <a:off x="1493184" y="818711"/>
-            <a:ext cx="8484192" cy="5946691"/>
+            <a:off x="838200" y="1131561"/>
+            <a:ext cx="9980054" cy="5164819"/>
           </a:xfrm>
           <a:prstGeom prst="rect">
             <a:avLst/>
@@ -8983,7 +10196,7 @@
     </p:spTree>
     <p:extLst>
       <p:ext uri="{BB962C8B-B14F-4D97-AF65-F5344CB8AC3E}">
-        <p14:creationId xmlns:p14="http://schemas.microsoft.com/office/powerpoint/2010/main" val="3706119516"/>
+        <p14:creationId xmlns:p14="http://schemas.microsoft.com/office/powerpoint/2010/main" val="3863773024"/>
       </p:ext>
     </p:extLst>
   </p:cSld>
